--- a/Docs/Project Cat Monitor.pptx
+++ b/Docs/Project Cat Monitor.pptx
@@ -130,6 +130,9 @@
         </p14:section>
       </p14:sectionLst>
     </p:ext>
+    <p:ext uri="{EFAFB233-063F-42B5-8137-9DF3F51BA10A}">
+      <p15:sldGuideLst xmlns:p15="http://schemas.microsoft.com/office/powerpoint/2012/main"/>
+    </p:ext>
   </p:extLst>
 </p:presentation>
 </file>
@@ -265,7 +268,7 @@
           <a:p>
             <a:fld id="{38DCB5FC-E7E8-4F84-8499-8A00DB2E42B8}" type="datetimeFigureOut">
               <a:rPr lang="en-US" smtClean="0"/>
-              <a:t>12/16/2015</a:t>
+              <a:t>12/17/2015</a:t>
             </a:fld>
             <a:endParaRPr lang="en-US"/>
           </a:p>
@@ -435,7 +438,7 @@
           <a:p>
             <a:fld id="{38DCB5FC-E7E8-4F84-8499-8A00DB2E42B8}" type="datetimeFigureOut">
               <a:rPr lang="en-US" smtClean="0"/>
-              <a:t>12/16/2015</a:t>
+              <a:t>12/17/2015</a:t>
             </a:fld>
             <a:endParaRPr lang="en-US"/>
           </a:p>
@@ -615,7 +618,7 @@
           <a:p>
             <a:fld id="{38DCB5FC-E7E8-4F84-8499-8A00DB2E42B8}" type="datetimeFigureOut">
               <a:rPr lang="en-US" smtClean="0"/>
-              <a:t>12/16/2015</a:t>
+              <a:t>12/17/2015</a:t>
             </a:fld>
             <a:endParaRPr lang="en-US"/>
           </a:p>
@@ -785,7 +788,7 @@
           <a:p>
             <a:fld id="{38DCB5FC-E7E8-4F84-8499-8A00DB2E42B8}" type="datetimeFigureOut">
               <a:rPr lang="en-US" smtClean="0"/>
-              <a:t>12/16/2015</a:t>
+              <a:t>12/17/2015</a:t>
             </a:fld>
             <a:endParaRPr lang="en-US"/>
           </a:p>
@@ -1031,7 +1034,7 @@
           <a:p>
             <a:fld id="{38DCB5FC-E7E8-4F84-8499-8A00DB2E42B8}" type="datetimeFigureOut">
               <a:rPr lang="en-US" smtClean="0"/>
-              <a:t>12/16/2015</a:t>
+              <a:t>12/17/2015</a:t>
             </a:fld>
             <a:endParaRPr lang="en-US"/>
           </a:p>
@@ -1263,7 +1266,7 @@
           <a:p>
             <a:fld id="{38DCB5FC-E7E8-4F84-8499-8A00DB2E42B8}" type="datetimeFigureOut">
               <a:rPr lang="en-US" smtClean="0"/>
-              <a:t>12/16/2015</a:t>
+              <a:t>12/17/2015</a:t>
             </a:fld>
             <a:endParaRPr lang="en-US"/>
           </a:p>
@@ -1630,7 +1633,7 @@
           <a:p>
             <a:fld id="{38DCB5FC-E7E8-4F84-8499-8A00DB2E42B8}" type="datetimeFigureOut">
               <a:rPr lang="en-US" smtClean="0"/>
-              <a:t>12/16/2015</a:t>
+              <a:t>12/17/2015</a:t>
             </a:fld>
             <a:endParaRPr lang="en-US"/>
           </a:p>
@@ -1748,7 +1751,7 @@
           <a:p>
             <a:fld id="{38DCB5FC-E7E8-4F84-8499-8A00DB2E42B8}" type="datetimeFigureOut">
               <a:rPr lang="en-US" smtClean="0"/>
-              <a:t>12/16/2015</a:t>
+              <a:t>12/17/2015</a:t>
             </a:fld>
             <a:endParaRPr lang="en-US"/>
           </a:p>
@@ -1843,7 +1846,7 @@
           <a:p>
             <a:fld id="{38DCB5FC-E7E8-4F84-8499-8A00DB2E42B8}" type="datetimeFigureOut">
               <a:rPr lang="en-US" smtClean="0"/>
-              <a:t>12/16/2015</a:t>
+              <a:t>12/17/2015</a:t>
             </a:fld>
             <a:endParaRPr lang="en-US"/>
           </a:p>
@@ -2120,7 +2123,7 @@
           <a:p>
             <a:fld id="{38DCB5FC-E7E8-4F84-8499-8A00DB2E42B8}" type="datetimeFigureOut">
               <a:rPr lang="en-US" smtClean="0"/>
-              <a:t>12/16/2015</a:t>
+              <a:t>12/17/2015</a:t>
             </a:fld>
             <a:endParaRPr lang="en-US"/>
           </a:p>
@@ -2373,7 +2376,7 @@
           <a:p>
             <a:fld id="{38DCB5FC-E7E8-4F84-8499-8A00DB2E42B8}" type="datetimeFigureOut">
               <a:rPr lang="en-US" smtClean="0"/>
-              <a:t>12/16/2015</a:t>
+              <a:t>12/17/2015</a:t>
             </a:fld>
             <a:endParaRPr lang="en-US"/>
           </a:p>
@@ -2586,7 +2589,7 @@
           <a:p>
             <a:fld id="{38DCB5FC-E7E8-4F84-8499-8A00DB2E42B8}" type="datetimeFigureOut">
               <a:rPr lang="en-US" smtClean="0"/>
-              <a:t>12/16/2015</a:t>
+              <a:t>12/17/2015</a:t>
             </a:fld>
             <a:endParaRPr lang="en-US"/>
           </a:p>
@@ -3036,15 +3039,7 @@
               </a:srgbClr>
             </a:outerShdw>
           </a:effectLst>
-          <a:extLst>
-            <a:ext uri="{909E8E84-426E-40DD-AFC4-6F175D3DCCD1}">
-              <a14:hiddenFill xmlns:a14="http://schemas.microsoft.com/office/drawing/2010/main">
-                <a:solidFill>
-                  <a:srgbClr val="FFFFFF"/>
-                </a:solidFill>
-              </a14:hiddenFill>
-            </a:ext>
-          </a:extLst>
+          <a:extLst/>
         </p:spPr>
       </p:pic>
       <p:sp>
@@ -3113,7 +3108,31 @@
                 <a:latin typeface="Segoe UI Light" panose="020B0502040204020203" pitchFamily="34" charset="0"/>
                 <a:cs typeface="Segoe UI Light" panose="020B0502040204020203" pitchFamily="34" charset="0"/>
               </a:rPr>
-              <a:t>Project Cat Monitor</a:t>
+              <a:t>Project “</a:t>
+            </a:r>
+            <a:r>
+              <a:rPr lang="en-US" sz="5400" dirty="0" err="1" smtClean="0">
+                <a:solidFill>
+                  <a:schemeClr val="bg2">
+                    <a:lumMod val="25000"/>
+                  </a:schemeClr>
+                </a:solidFill>
+                <a:latin typeface="Segoe UI Light" panose="020B0502040204020203" pitchFamily="34" charset="0"/>
+                <a:cs typeface="Segoe UI Light" panose="020B0502040204020203" pitchFamily="34" charset="0"/>
+              </a:rPr>
+              <a:t>Kocour</a:t>
+            </a:r>
+            <a:r>
+              <a:rPr lang="en-US" sz="5400" dirty="0" smtClean="0">
+                <a:solidFill>
+                  <a:schemeClr val="bg2">
+                    <a:lumMod val="25000"/>
+                  </a:schemeClr>
+                </a:solidFill>
+                <a:latin typeface="Segoe UI Light" panose="020B0502040204020203" pitchFamily="34" charset="0"/>
+                <a:cs typeface="Segoe UI Light" panose="020B0502040204020203" pitchFamily="34" charset="0"/>
+              </a:rPr>
+              <a:t>”</a:t>
             </a:r>
           </a:p>
           <a:p>
@@ -3153,7 +3172,7 @@
   </p:clrMapOvr>
   <mc:AlternateContent xmlns:mc="http://schemas.openxmlformats.org/markup-compatibility/2006">
     <mc:Choice xmlns:p14="http://schemas.microsoft.com/office/powerpoint/2010/main" Requires="p14">
-      <p:transition p14:dur="0"/>
+      <p:transition p14:dur="10"/>
     </mc:Choice>
     <mc:Fallback>
       <p:transition/>
@@ -3231,15 +3250,7 @@
               </a:srgbClr>
             </a:outerShdw>
           </a:effectLst>
-          <a:extLst>
-            <a:ext uri="{909E8E84-426E-40DD-AFC4-6F175D3DCCD1}">
-              <a14:hiddenFill xmlns:a14="http://schemas.microsoft.com/office/drawing/2010/main">
-                <a:solidFill>
-                  <a:srgbClr val="FFFFFF"/>
-                </a:solidFill>
-              </a14:hiddenFill>
-            </a:ext>
-          </a:extLst>
+          <a:extLst/>
         </p:spPr>
       </p:pic>
       <p:sp>
@@ -3790,186 +3801,6 @@
       </p:sp>
       <p:grpSp>
         <p:nvGrpSpPr>
-          <p:cNvPr id="24" name="Group 23"/>
-          <p:cNvGrpSpPr/>
-          <p:nvPr/>
-        </p:nvGrpSpPr>
-        <p:grpSpPr>
-          <a:xfrm>
-            <a:off x="4682356" y="3957225"/>
-            <a:ext cx="1168706" cy="1290023"/>
-            <a:chOff x="4480906" y="3812562"/>
-            <a:chExt cx="1168706" cy="1290023"/>
-          </a:xfrm>
-        </p:grpSpPr>
-        <p:pic>
-          <p:nvPicPr>
-            <p:cNvPr id="4110" name="Picture 14" descr="https://image.freepik.com/free-icon/_318-46220.jpg"/>
-            <p:cNvPicPr>
-              <a:picLocks noChangeAspect="1" noChangeArrowheads="1"/>
-            </p:cNvPicPr>
-            <p:nvPr/>
-          </p:nvPicPr>
-          <p:blipFill>
-            <a:blip r:embed="rId6" cstate="print">
-              <a:extLst>
-                <a:ext uri="{28A0092B-C50C-407E-A947-70E740481C1C}">
-                  <a14:useLocalDpi xmlns:a14="http://schemas.microsoft.com/office/drawing/2010/main" val="0"/>
-                </a:ext>
-              </a:extLst>
-            </a:blip>
-            <a:srcRect/>
-            <a:stretch>
-              <a:fillRect/>
-            </a:stretch>
-          </p:blipFill>
-          <p:spPr bwMode="auto">
-            <a:xfrm>
-              <a:off x="4677466" y="4348750"/>
-              <a:ext cx="753835" cy="753835"/>
-            </a:xfrm>
-            <a:prstGeom prst="rect">
-              <a:avLst/>
-            </a:prstGeom>
-            <a:noFill/>
-            <a:extLst>
-              <a:ext uri="{909E8E84-426E-40DD-AFC4-6F175D3DCCD1}">
-                <a14:hiddenFill xmlns:a14="http://schemas.microsoft.com/office/drawing/2010/main">
-                  <a:solidFill>
-                    <a:srgbClr val="FFFFFF"/>
-                  </a:solidFill>
-                </a14:hiddenFill>
-              </a:ext>
-            </a:extLst>
-          </p:spPr>
-        </p:pic>
-        <p:cxnSp>
-          <p:nvCxnSpPr>
-            <p:cNvPr id="10" name="Straight Connector 9"/>
-            <p:cNvCxnSpPr/>
-            <p:nvPr/>
-          </p:nvCxnSpPr>
-          <p:spPr>
-            <a:xfrm>
-              <a:off x="4885509" y="3812562"/>
-              <a:ext cx="48910" cy="348344"/>
-            </a:xfrm>
-            <a:prstGeom prst="line">
-              <a:avLst/>
-            </a:prstGeom>
-            <a:ln w="28575"/>
-          </p:spPr>
-          <p:style>
-            <a:lnRef idx="1">
-              <a:schemeClr val="dk1"/>
-            </a:lnRef>
-            <a:fillRef idx="0">
-              <a:schemeClr val="dk1"/>
-            </a:fillRef>
-            <a:effectRef idx="0">
-              <a:schemeClr val="dk1"/>
-            </a:effectRef>
-            <a:fontRef idx="minor">
-              <a:schemeClr val="tx1"/>
-            </a:fontRef>
-          </p:style>
-        </p:cxnSp>
-        <p:cxnSp>
-          <p:nvCxnSpPr>
-            <p:cNvPr id="20" name="Straight Connector 19"/>
-            <p:cNvCxnSpPr/>
-            <p:nvPr/>
-          </p:nvCxnSpPr>
-          <p:spPr>
-            <a:xfrm>
-              <a:off x="4480906" y="3986734"/>
-              <a:ext cx="226143" cy="279284"/>
-            </a:xfrm>
-            <a:prstGeom prst="line">
-              <a:avLst/>
-            </a:prstGeom>
-            <a:ln w="28575"/>
-          </p:spPr>
-          <p:style>
-            <a:lnRef idx="1">
-              <a:schemeClr val="dk1"/>
-            </a:lnRef>
-            <a:fillRef idx="0">
-              <a:schemeClr val="dk1"/>
-            </a:fillRef>
-            <a:effectRef idx="0">
-              <a:schemeClr val="dk1"/>
-            </a:effectRef>
-            <a:fontRef idx="minor">
-              <a:schemeClr val="tx1"/>
-            </a:fontRef>
-          </p:style>
-        </p:cxnSp>
-        <p:cxnSp>
-          <p:nvCxnSpPr>
-            <p:cNvPr id="21" name="Straight Connector 20"/>
-            <p:cNvCxnSpPr/>
-            <p:nvPr/>
-          </p:nvCxnSpPr>
-          <p:spPr>
-            <a:xfrm flipH="1">
-              <a:off x="5409036" y="4118275"/>
-              <a:ext cx="240576" cy="257783"/>
-            </a:xfrm>
-            <a:prstGeom prst="line">
-              <a:avLst/>
-            </a:prstGeom>
-            <a:ln w="28575"/>
-          </p:spPr>
-          <p:style>
-            <a:lnRef idx="1">
-              <a:schemeClr val="dk1"/>
-            </a:lnRef>
-            <a:fillRef idx="0">
-              <a:schemeClr val="dk1"/>
-            </a:fillRef>
-            <a:effectRef idx="0">
-              <a:schemeClr val="dk1"/>
-            </a:effectRef>
-            <a:fontRef idx="minor">
-              <a:schemeClr val="tx1"/>
-            </a:fontRef>
-          </p:style>
-        </p:cxnSp>
-        <p:cxnSp>
-          <p:nvCxnSpPr>
-            <p:cNvPr id="30" name="Straight Connector 29"/>
-            <p:cNvCxnSpPr/>
-            <p:nvPr/>
-          </p:nvCxnSpPr>
-          <p:spPr>
-            <a:xfrm flipH="1">
-              <a:off x="5216397" y="3812562"/>
-              <a:ext cx="155349" cy="348429"/>
-            </a:xfrm>
-            <a:prstGeom prst="line">
-              <a:avLst/>
-            </a:prstGeom>
-            <a:ln w="28575"/>
-          </p:spPr>
-          <p:style>
-            <a:lnRef idx="1">
-              <a:schemeClr val="dk1"/>
-            </a:lnRef>
-            <a:fillRef idx="0">
-              <a:schemeClr val="dk1"/>
-            </a:fillRef>
-            <a:effectRef idx="0">
-              <a:schemeClr val="dk1"/>
-            </a:effectRef>
-            <a:fontRef idx="minor">
-              <a:schemeClr val="tx1"/>
-            </a:fontRef>
-          </p:style>
-        </p:cxnSp>
-      </p:grpSp>
-      <p:grpSp>
-        <p:nvGrpSpPr>
           <p:cNvPr id="27" name="Group 26"/>
           <p:cNvGrpSpPr/>
           <p:nvPr/>
@@ -4005,7 +3836,7 @@
               <p:nvPr/>
             </p:nvPicPr>
             <p:blipFill rotWithShape="1">
-              <a:blip r:embed="rId7">
+              <a:blip r:embed="rId6">
                 <a:extLst>
                   <a:ext uri="{28A0092B-C50C-407E-A947-70E740481C1C}">
                     <a14:useLocalDpi xmlns:a14="http://schemas.microsoft.com/office/drawing/2010/main" val="0"/>
@@ -4106,6 +3937,45 @@
           </p:txBody>
         </p:sp>
       </p:grpSp>
+      <p:pic>
+        <p:nvPicPr>
+          <p:cNvPr id="2060" name="Picture 12" descr="http://thumbs.dreamstime.com/x/disco-ball-14631487.jpg"/>
+          <p:cNvPicPr>
+            <a:picLocks noChangeAspect="1" noChangeArrowheads="1"/>
+          </p:cNvPicPr>
+          <p:nvPr/>
+        </p:nvPicPr>
+        <p:blipFill rotWithShape="1">
+          <a:blip r:embed="rId7">
+            <a:extLst>
+              <a:ext uri="{28A0092B-C50C-407E-A947-70E740481C1C}">
+                <a14:useLocalDpi xmlns:a14="http://schemas.microsoft.com/office/drawing/2010/main" val="0"/>
+              </a:ext>
+            </a:extLst>
+          </a:blip>
+          <a:srcRect b="9189"/>
+          <a:stretch/>
+        </p:blipFill>
+        <p:spPr bwMode="auto">
+          <a:xfrm>
+            <a:off x="2734488" y="1925635"/>
+            <a:ext cx="1729106" cy="1660506"/>
+          </a:xfrm>
+          <a:prstGeom prst="rect">
+            <a:avLst/>
+          </a:prstGeom>
+          <a:noFill/>
+          <a:extLst>
+            <a:ext uri="{909E8E84-426E-40DD-AFC4-6F175D3DCCD1}">
+              <a14:hiddenFill xmlns:a14="http://schemas.microsoft.com/office/drawing/2010/main">
+                <a:solidFill>
+                  <a:srgbClr val="FFFFFF"/>
+                </a:solidFill>
+              </a14:hiddenFill>
+            </a:ext>
+          </a:extLst>
+        </p:spPr>
+      </p:pic>
     </p:spTree>
     <p:extLst>
       <p:ext uri="{BB962C8B-B14F-4D97-AF65-F5344CB8AC3E}">
@@ -4116,11 +3986,11 @@
   <p:clrMapOvr>
     <a:masterClrMapping/>
   </p:clrMapOvr>
-  <mc:AlternateContent xmlns:mc="http://schemas.openxmlformats.org/markup-compatibility/2006">
-    <mc:Choice xmlns:p14="http://schemas.microsoft.com/office/powerpoint/2010/main" Requires="p14">
+  <mc:AlternateContent xmlns:mc="http://schemas.openxmlformats.org/markup-compatibility/2006" xmlns:p14="http://schemas.microsoft.com/office/powerpoint/2010/main">
+    <mc:Choice Requires="p14">
       <p:transition p14:dur="0"/>
     </mc:Choice>
-    <mc:Fallback>
+    <mc:Fallback xmlns="">
       <p:transition/>
     </mc:Fallback>
   </mc:AlternateContent>
@@ -4248,7 +4118,7 @@
                                           </p:stCondLst>
                                         </p:cTn>
                                         <p:tgtEl>
-                                          <p:spTgt spid="24"/>
+                                          <p:spTgt spid="2060"/>
                                         </p:tgtEl>
                                         <p:attrNameLst>
                                           <p:attrName>style.visibility</p:attrName>
@@ -4503,15 +4373,7 @@
               </a:srgbClr>
             </a:outerShdw>
           </a:effectLst>
-          <a:extLst>
-            <a:ext uri="{909E8E84-426E-40DD-AFC4-6F175D3DCCD1}">
-              <a14:hiddenFill xmlns:a14="http://schemas.microsoft.com/office/drawing/2010/main">
-                <a:solidFill>
-                  <a:srgbClr val="FFFFFF"/>
-                </a:solidFill>
-              </a14:hiddenFill>
-            </a:ext>
-          </a:extLst>
+          <a:extLst/>
         </p:spPr>
       </p:pic>
       <p:sp>
@@ -4625,11 +4487,11 @@
   <p:clrMapOvr>
     <a:masterClrMapping/>
   </p:clrMapOvr>
-  <mc:AlternateContent xmlns:mc="http://schemas.openxmlformats.org/markup-compatibility/2006">
-    <mc:Choice xmlns:p14="http://schemas.microsoft.com/office/powerpoint/2010/main" Requires="p14">
+  <mc:AlternateContent xmlns:mc="http://schemas.openxmlformats.org/markup-compatibility/2006" xmlns:p14="http://schemas.microsoft.com/office/powerpoint/2010/main">
+    <mc:Choice Requires="p14">
       <p:transition p14:dur="0"/>
     </mc:Choice>
-    <mc:Fallback>
+    <mc:Fallback xmlns="">
       <p:transition/>
     </mc:Fallback>
   </mc:AlternateContent>
@@ -4697,234 +4559,13 @@
       </p:sp>
       <p:grpSp>
         <p:nvGrpSpPr>
-          <p:cNvPr id="10270" name="Group 10269"/>
-          <p:cNvGrpSpPr/>
-          <p:nvPr/>
-        </p:nvGrpSpPr>
-        <p:grpSpPr>
-          <a:xfrm>
-            <a:off x="6528122" y="2184053"/>
-            <a:ext cx="3798251" cy="643776"/>
-            <a:chOff x="6528122" y="2184053"/>
-            <a:chExt cx="3798251" cy="643776"/>
-          </a:xfrm>
-        </p:grpSpPr>
-        <p:pic>
-          <p:nvPicPr>
-            <p:cNvPr id="37" name="Picture 18" descr="http://appindex.com/wp-content/uploads/2015/05/ms-project-oxford-logo-300x100.png"/>
-            <p:cNvPicPr>
-              <a:picLocks noChangeAspect="1" noChangeArrowheads="1"/>
-            </p:cNvPicPr>
-            <p:nvPr/>
-          </p:nvPicPr>
-          <p:blipFill>
-            <a:blip r:embed="rId2">
-              <a:extLst>
-                <a:ext uri="{28A0092B-C50C-407E-A947-70E740481C1C}">
-                  <a14:useLocalDpi xmlns:a14="http://schemas.microsoft.com/office/drawing/2010/main" val="0"/>
-                </a:ext>
-              </a:extLst>
-            </a:blip>
-            <a:srcRect/>
-            <a:stretch>
-              <a:fillRect/>
-            </a:stretch>
-          </p:blipFill>
-          <p:spPr bwMode="auto">
-            <a:xfrm>
-              <a:off x="8395044" y="2184053"/>
-              <a:ext cx="1931329" cy="643776"/>
-            </a:xfrm>
-            <a:prstGeom prst="rect">
-              <a:avLst/>
-            </a:prstGeom>
-            <a:noFill/>
-            <a:extLst>
-              <a:ext uri="{909E8E84-426E-40DD-AFC4-6F175D3DCCD1}">
-                <a14:hiddenFill xmlns:a14="http://schemas.microsoft.com/office/drawing/2010/main">
-                  <a:solidFill>
-                    <a:srgbClr val="FFFFFF"/>
-                  </a:solidFill>
-                </a14:hiddenFill>
-              </a:ext>
-            </a:extLst>
-          </p:spPr>
-        </p:pic>
-        <p:cxnSp>
-          <p:nvCxnSpPr>
-            <p:cNvPr id="48" name="Straight Arrow Connector 47"/>
-            <p:cNvCxnSpPr/>
-            <p:nvPr/>
-          </p:nvCxnSpPr>
-          <p:spPr>
-            <a:xfrm flipH="1" flipV="1">
-              <a:off x="6528122" y="2477004"/>
-              <a:ext cx="1568369" cy="17365"/>
-            </a:xfrm>
-            <a:prstGeom prst="straightConnector1">
-              <a:avLst/>
-            </a:prstGeom>
-            <a:ln w="38100">
-              <a:solidFill>
-                <a:srgbClr val="F25022"/>
-              </a:solidFill>
-              <a:tailEnd type="triangle"/>
-            </a:ln>
-          </p:spPr>
-          <p:style>
-            <a:lnRef idx="3">
-              <a:schemeClr val="accent2"/>
-            </a:lnRef>
-            <a:fillRef idx="0">
-              <a:schemeClr val="accent2"/>
-            </a:fillRef>
-            <a:effectRef idx="2">
-              <a:schemeClr val="accent2"/>
-            </a:effectRef>
-            <a:fontRef idx="minor">
-              <a:schemeClr val="tx1"/>
-            </a:fontRef>
-          </p:style>
-        </p:cxnSp>
-      </p:grpSp>
-      <p:grpSp>
-        <p:nvGrpSpPr>
-          <p:cNvPr id="10268" name="Group 10267"/>
-          <p:cNvGrpSpPr/>
-          <p:nvPr/>
-        </p:nvGrpSpPr>
-        <p:grpSpPr>
-          <a:xfrm>
-            <a:off x="6094071" y="3234568"/>
-            <a:ext cx="1248302" cy="1851327"/>
-            <a:chOff x="6094071" y="3234568"/>
-            <a:chExt cx="1248302" cy="1851327"/>
-          </a:xfrm>
-        </p:grpSpPr>
-        <p:pic>
-          <p:nvPicPr>
-            <p:cNvPr id="39" name="Picture 10" descr="http://i.imgur.com/qC2eT.png"/>
-            <p:cNvPicPr>
-              <a:picLocks noChangeAspect="1" noChangeArrowheads="1"/>
-            </p:cNvPicPr>
-            <p:nvPr/>
-          </p:nvPicPr>
-          <p:blipFill>
-            <a:blip r:embed="rId3" cstate="print">
-              <a:extLst>
-                <a:ext uri="{28A0092B-C50C-407E-A947-70E740481C1C}">
-                  <a14:useLocalDpi xmlns:a14="http://schemas.microsoft.com/office/drawing/2010/main" val="0"/>
-                </a:ext>
-              </a:extLst>
-            </a:blip>
-            <a:srcRect/>
-            <a:stretch>
-              <a:fillRect/>
-            </a:stretch>
-          </p:blipFill>
-          <p:spPr bwMode="auto">
-            <a:xfrm>
-              <a:off x="6568488" y="4166907"/>
-              <a:ext cx="773885" cy="918988"/>
-            </a:xfrm>
-            <a:prstGeom prst="rect">
-              <a:avLst/>
-            </a:prstGeom>
-            <a:noFill/>
-            <a:extLst>
-              <a:ext uri="{909E8E84-426E-40DD-AFC4-6F175D3DCCD1}">
-                <a14:hiddenFill xmlns:a14="http://schemas.microsoft.com/office/drawing/2010/main">
-                  <a:solidFill>
-                    <a:srgbClr val="FFFFFF"/>
-                  </a:solidFill>
-                </a14:hiddenFill>
-              </a:ext>
-            </a:extLst>
-          </p:spPr>
-        </p:pic>
-        <p:cxnSp>
-          <p:nvCxnSpPr>
-            <p:cNvPr id="56" name="Straight Arrow Connector 55"/>
-            <p:cNvCxnSpPr/>
-            <p:nvPr/>
-          </p:nvCxnSpPr>
-          <p:spPr>
-            <a:xfrm flipH="1" flipV="1">
-              <a:off x="6094071" y="3234568"/>
-              <a:ext cx="532435" cy="932339"/>
-            </a:xfrm>
-            <a:prstGeom prst="straightConnector1">
-              <a:avLst/>
-            </a:prstGeom>
-            <a:ln w="38100">
-              <a:solidFill>
-                <a:srgbClr val="F25022"/>
-              </a:solidFill>
-              <a:tailEnd type="triangle"/>
-            </a:ln>
-          </p:spPr>
-          <p:style>
-            <a:lnRef idx="3">
-              <a:schemeClr val="accent2"/>
-            </a:lnRef>
-            <a:fillRef idx="0">
-              <a:schemeClr val="accent2"/>
-            </a:fillRef>
-            <a:effectRef idx="2">
-              <a:schemeClr val="accent2"/>
-            </a:effectRef>
-            <a:fontRef idx="minor">
-              <a:schemeClr val="tx1"/>
-            </a:fontRef>
-          </p:style>
-        </p:cxnSp>
-      </p:grpSp>
-      <p:cxnSp>
-        <p:nvCxnSpPr>
-          <p:cNvPr id="58" name="Straight Arrow Connector 57"/>
-          <p:cNvCxnSpPr/>
-          <p:nvPr/>
-        </p:nvCxnSpPr>
-        <p:spPr>
-          <a:xfrm flipV="1">
-            <a:off x="7436734" y="4094161"/>
-            <a:ext cx="596096" cy="367900"/>
-          </a:xfrm>
-          <a:prstGeom prst="straightConnector1">
-            <a:avLst/>
-          </a:prstGeom>
-          <a:ln w="38100">
-            <a:solidFill>
-              <a:srgbClr val="FFB903"/>
-            </a:solidFill>
-            <a:headEnd type="triangle"/>
-            <a:tailEnd type="triangle"/>
-          </a:ln>
-        </p:spPr>
-        <p:style>
-          <a:lnRef idx="1">
-            <a:schemeClr val="accent1"/>
-          </a:lnRef>
-          <a:fillRef idx="0">
-            <a:schemeClr val="accent1"/>
-          </a:fillRef>
-          <a:effectRef idx="0">
-            <a:schemeClr val="accent1"/>
-          </a:effectRef>
-          <a:fontRef idx="minor">
-            <a:schemeClr val="tx1"/>
-          </a:fontRef>
-        </p:style>
-      </p:cxnSp>
-      <p:grpSp>
-        <p:nvGrpSpPr>
           <p:cNvPr id="11264" name="Group 11263"/>
           <p:cNvGrpSpPr/>
           <p:nvPr/>
         </p:nvGrpSpPr>
         <p:grpSpPr>
           <a:xfrm>
-            <a:off x="7153155" y="5023434"/>
+            <a:off x="4920309" y="5023434"/>
             <a:ext cx="772599" cy="930206"/>
             <a:chOff x="7153155" y="5023434"/>
             <a:chExt cx="772599" cy="930206"/>
@@ -4939,7 +4580,7 @@
             <p:nvPr/>
           </p:nvPicPr>
           <p:blipFill>
-            <a:blip r:embed="rId4" cstate="print">
+            <a:blip r:embed="rId2" cstate="print">
               <a:extLst>
                 <a:ext uri="{28A0092B-C50C-407E-A947-70E740481C1C}">
                   <a14:useLocalDpi xmlns:a14="http://schemas.microsoft.com/office/drawing/2010/main" val="0"/>
@@ -5010,102 +4651,13 @@
       </p:grpSp>
       <p:grpSp>
         <p:nvGrpSpPr>
-          <p:cNvPr id="10271" name="Group 10270"/>
-          <p:cNvGrpSpPr/>
-          <p:nvPr/>
-        </p:nvGrpSpPr>
-        <p:grpSpPr>
-          <a:xfrm>
-            <a:off x="6168039" y="5037303"/>
-            <a:ext cx="498833" cy="811908"/>
-            <a:chOff x="6168039" y="5037303"/>
-            <a:chExt cx="498833" cy="811908"/>
-          </a:xfrm>
-        </p:grpSpPr>
-        <p:pic>
-          <p:nvPicPr>
-            <p:cNvPr id="42" name="Picture 16" descr="http://icons.iconarchive.com/icons/pixelkit/swanky-outlines/128/15-Light-Bulb-icon.png"/>
-            <p:cNvPicPr>
-              <a:picLocks noChangeAspect="1" noChangeArrowheads="1"/>
-            </p:cNvPicPr>
-            <p:nvPr/>
-          </p:nvPicPr>
-          <p:blipFill>
-            <a:blip r:embed="rId5" cstate="print">
-              <a:extLst>
-                <a:ext uri="{28A0092B-C50C-407E-A947-70E740481C1C}">
-                  <a14:useLocalDpi xmlns:a14="http://schemas.microsoft.com/office/drawing/2010/main" val="0"/>
-                </a:ext>
-              </a:extLst>
-            </a:blip>
-            <a:srcRect/>
-            <a:stretch>
-              <a:fillRect/>
-            </a:stretch>
-          </p:blipFill>
-          <p:spPr bwMode="auto">
-            <a:xfrm>
-              <a:off x="6168039" y="5390743"/>
-              <a:ext cx="458467" cy="458468"/>
-            </a:xfrm>
-            <a:prstGeom prst="rect">
-              <a:avLst/>
-            </a:prstGeom>
-            <a:noFill/>
-            <a:extLst>
-              <a:ext uri="{909E8E84-426E-40DD-AFC4-6F175D3DCCD1}">
-                <a14:hiddenFill xmlns:a14="http://schemas.microsoft.com/office/drawing/2010/main">
-                  <a:solidFill>
-                    <a:srgbClr val="FFFFFF"/>
-                  </a:solidFill>
-                </a14:hiddenFill>
-              </a:ext>
-            </a:extLst>
-          </p:spPr>
-        </p:pic>
-        <p:cxnSp>
-          <p:nvCxnSpPr>
-            <p:cNvPr id="62" name="Straight Arrow Connector 61"/>
-            <p:cNvCxnSpPr/>
-            <p:nvPr/>
-          </p:nvCxnSpPr>
-          <p:spPr>
-            <a:xfrm flipH="1">
-              <a:off x="6568488" y="5037303"/>
-              <a:ext cx="98384" cy="297604"/>
-            </a:xfrm>
-            <a:prstGeom prst="straightConnector1">
-              <a:avLst/>
-            </a:prstGeom>
-            <a:ln w="38100">
-              <a:tailEnd type="triangle"/>
-            </a:ln>
-          </p:spPr>
-          <p:style>
-            <a:lnRef idx="3">
-              <a:schemeClr val="accent6"/>
-            </a:lnRef>
-            <a:fillRef idx="0">
-              <a:schemeClr val="accent6"/>
-            </a:fillRef>
-            <a:effectRef idx="2">
-              <a:schemeClr val="accent6"/>
-            </a:effectRef>
-            <a:fontRef idx="minor">
-              <a:schemeClr val="tx1"/>
-            </a:fontRef>
-          </p:style>
-        </p:cxnSp>
-      </p:grpSp>
-      <p:grpSp>
-        <p:nvGrpSpPr>
           <p:cNvPr id="10265" name="Group 10264"/>
           <p:cNvGrpSpPr/>
           <p:nvPr/>
         </p:nvGrpSpPr>
         <p:grpSpPr>
           <a:xfrm>
-            <a:off x="2580072" y="4801633"/>
+            <a:off x="7226518" y="4004195"/>
             <a:ext cx="892333" cy="889158"/>
             <a:chOff x="2580072" y="4801633"/>
             <a:chExt cx="892333" cy="889158"/>
@@ -5120,7 +4672,7 @@
             <p:nvPr/>
           </p:nvPicPr>
           <p:blipFill>
-            <a:blip r:embed="rId6" cstate="print">
+            <a:blip r:embed="rId3" cstate="print">
               <a:extLst>
                 <a:ext uri="{28A0092B-C50C-407E-A947-70E740481C1C}">
                   <a14:useLocalDpi xmlns:a14="http://schemas.microsoft.com/office/drawing/2010/main" val="0"/>
@@ -5194,7 +4746,7 @@
         </p:nvGrpSpPr>
         <p:grpSpPr>
           <a:xfrm>
-            <a:off x="3698111" y="4930836"/>
+            <a:off x="8344557" y="4133398"/>
             <a:ext cx="520861" cy="1060781"/>
             <a:chOff x="3698111" y="4930836"/>
             <a:chExt cx="520861" cy="1060781"/>
@@ -5295,7 +4847,7 @@
         </p:nvGrpSpPr>
         <p:grpSpPr>
           <a:xfrm>
-            <a:off x="4404167" y="4861388"/>
+            <a:off x="9050613" y="4063950"/>
             <a:ext cx="830181" cy="829403"/>
             <a:chOff x="4404167" y="4861388"/>
             <a:chExt cx="830181" cy="829403"/>
@@ -5310,7 +4862,7 @@
             <p:nvPr/>
           </p:nvPicPr>
           <p:blipFill>
-            <a:blip r:embed="rId7" cstate="print">
+            <a:blip r:embed="rId4" cstate="print">
               <a:extLst>
                 <a:ext uri="{28A0092B-C50C-407E-A947-70E740481C1C}">
                   <a14:useLocalDpi xmlns:a14="http://schemas.microsoft.com/office/drawing/2010/main" val="0"/>
@@ -5378,310 +4930,49 @@
       </p:grpSp>
       <p:grpSp>
         <p:nvGrpSpPr>
-          <p:cNvPr id="10260" name="Group 10259"/>
+          <p:cNvPr id="28" name="Group 27"/>
           <p:cNvGrpSpPr/>
           <p:nvPr/>
         </p:nvGrpSpPr>
         <p:grpSpPr>
           <a:xfrm>
-            <a:off x="5390567" y="2033524"/>
-            <a:ext cx="884454" cy="1162881"/>
-            <a:chOff x="5390567" y="2033524"/>
-            <a:chExt cx="884454" cy="1162881"/>
-          </a:xfrm>
-        </p:grpSpPr>
-        <p:pic>
-          <p:nvPicPr>
-            <p:cNvPr id="11266" name="Picture 2" descr="https://enter.plugrush.com/wp-content/uploads/2015/02/api.png"/>
-            <p:cNvPicPr>
-              <a:picLocks noChangeAspect="1" noChangeArrowheads="1"/>
-            </p:cNvPicPr>
-            <p:nvPr/>
-          </p:nvPicPr>
-          <p:blipFill>
-            <a:blip r:embed="rId8" cstate="print">
-              <a:duotone>
-                <a:prstClr val="black"/>
-                <a:schemeClr val="tx2">
-                  <a:tint val="45000"/>
-                  <a:satMod val="400000"/>
-                </a:schemeClr>
-              </a:duotone>
-              <a:extLst>
-                <a:ext uri="{28A0092B-C50C-407E-A947-70E740481C1C}">
-                  <a14:useLocalDpi xmlns:a14="http://schemas.microsoft.com/office/drawing/2010/main" val="0"/>
-                </a:ext>
-              </a:extLst>
-            </a:blip>
-            <a:srcRect/>
-            <a:stretch>
-              <a:fillRect/>
-            </a:stretch>
-          </p:blipFill>
-          <p:spPr bwMode="auto">
-            <a:xfrm>
-              <a:off x="5436020" y="2033524"/>
-              <a:ext cx="793549" cy="793549"/>
-            </a:xfrm>
-            <a:prstGeom prst="rect">
-              <a:avLst/>
-            </a:prstGeom>
-            <a:noFill/>
-            <a:extLst>
-              <a:ext uri="{909E8E84-426E-40DD-AFC4-6F175D3DCCD1}">
-                <a14:hiddenFill xmlns:a14="http://schemas.microsoft.com/office/drawing/2010/main">
-                  <a:solidFill>
-                    <a:srgbClr val="FFFFFF"/>
-                  </a:solidFill>
-                </a14:hiddenFill>
-              </a:ext>
-            </a:extLst>
-          </p:spPr>
-        </p:pic>
-        <p:sp>
-          <p:nvSpPr>
-            <p:cNvPr id="10249" name="TextBox 10248"/>
-            <p:cNvSpPr txBox="1"/>
-            <p:nvPr/>
-          </p:nvSpPr>
-          <p:spPr>
-            <a:xfrm>
-              <a:off x="5390567" y="2827073"/>
-              <a:ext cx="884454" cy="369332"/>
-            </a:xfrm>
-            <a:prstGeom prst="rect">
-              <a:avLst/>
-            </a:prstGeom>
-            <a:noFill/>
-          </p:spPr>
-          <p:txBody>
-            <a:bodyPr wrap="square" rtlCol="0">
-              <a:spAutoFit/>
-            </a:bodyPr>
-            <a:lstStyle/>
-            <a:p>
-              <a:pPr algn="ctr"/>
-              <a:r>
-                <a:rPr lang="en-US" b="1" dirty="0" smtClean="0">
-                  <a:solidFill>
-                    <a:schemeClr val="tx1">
-                      <a:lumMod val="75000"/>
-                      <a:lumOff val="25000"/>
-                    </a:schemeClr>
-                  </a:solidFill>
-                  <a:latin typeface="Segoe UI Light" panose="020B0502040204020203" pitchFamily="34" charset="0"/>
-                  <a:cs typeface="Segoe UI Light" panose="020B0502040204020203" pitchFamily="34" charset="0"/>
-                </a:rPr>
-                <a:t>API</a:t>
-              </a:r>
-              <a:endParaRPr lang="en-US" b="1" dirty="0">
-                <a:solidFill>
-                  <a:schemeClr val="tx1">
-                    <a:lumMod val="75000"/>
-                    <a:lumOff val="25000"/>
-                  </a:schemeClr>
-                </a:solidFill>
-                <a:latin typeface="Segoe UI Light" panose="020B0502040204020203" pitchFamily="34" charset="0"/>
-                <a:cs typeface="Segoe UI Light" panose="020B0502040204020203" pitchFamily="34" charset="0"/>
-              </a:endParaRPr>
-            </a:p>
-          </p:txBody>
-        </p:sp>
-      </p:grpSp>
-      <p:grpSp>
-        <p:nvGrpSpPr>
-          <p:cNvPr id="10263" name="Group 10262"/>
-          <p:cNvGrpSpPr/>
-          <p:nvPr/>
-        </p:nvGrpSpPr>
-        <p:grpSpPr>
-          <a:xfrm>
-            <a:off x="2200199" y="2128240"/>
-            <a:ext cx="2910257" cy="1397666"/>
-            <a:chOff x="2200199" y="2128240"/>
-            <a:chExt cx="2910257" cy="1397666"/>
+            <a:off x="1276192" y="4893353"/>
+            <a:ext cx="2660377" cy="1565567"/>
+            <a:chOff x="1276192" y="4893353"/>
+            <a:chExt cx="2660377" cy="1565567"/>
           </a:xfrm>
         </p:grpSpPr>
         <p:cxnSp>
           <p:nvCxnSpPr>
-            <p:cNvPr id="43" name="Straight Arrow Connector 42"/>
+            <p:cNvPr id="58" name="Straight Arrow Connector 57"/>
             <p:cNvCxnSpPr/>
             <p:nvPr/>
           </p:nvCxnSpPr>
           <p:spPr>
-            <a:xfrm flipH="1">
-              <a:off x="3270545" y="2482132"/>
-              <a:ext cx="1839911" cy="6204"/>
+            <a:xfrm flipV="1">
+              <a:off x="2443906" y="4893353"/>
+              <a:ext cx="1492663" cy="497011"/>
             </a:xfrm>
             <a:prstGeom prst="straightConnector1">
               <a:avLst/>
             </a:prstGeom>
             <a:ln w="38100">
+              <a:solidFill>
+                <a:srgbClr val="FFB903"/>
+              </a:solidFill>
+              <a:headEnd type="triangle"/>
               <a:tailEnd type="triangle"/>
             </a:ln>
           </p:spPr>
           <p:style>
-            <a:lnRef idx="3">
-              <a:schemeClr val="accent6"/>
+            <a:lnRef idx="1">
+              <a:schemeClr val="accent1"/>
             </a:lnRef>
             <a:fillRef idx="0">
-              <a:schemeClr val="accent6"/>
+              <a:schemeClr val="accent1"/>
             </a:fillRef>
-            <a:effectRef idx="2">
-              <a:schemeClr val="accent6"/>
-            </a:effectRef>
-            <a:fontRef idx="minor">
-              <a:schemeClr val="tx1"/>
-            </a:fontRef>
-          </p:style>
-        </p:cxnSp>
-        <p:grpSp>
-          <p:nvGrpSpPr>
-            <p:cNvPr id="10259" name="Group 10258"/>
-            <p:cNvGrpSpPr/>
-            <p:nvPr/>
-          </p:nvGrpSpPr>
-          <p:grpSpPr>
-            <a:xfrm>
-              <a:off x="2200199" y="2128240"/>
-              <a:ext cx="884454" cy="1397666"/>
-              <a:chOff x="1677774" y="2112401"/>
-              <a:chExt cx="884454" cy="1397666"/>
-            </a:xfrm>
-          </p:grpSpPr>
-          <p:pic>
-            <p:nvPicPr>
-              <p:cNvPr id="11268" name="Picture 4" descr="http://zappysys.com/images/ssis-powerpack/SSIS-Azure-Cloud-Storage-Task.png"/>
-              <p:cNvPicPr>
-                <a:picLocks noChangeAspect="1" noChangeArrowheads="1"/>
-              </p:cNvPicPr>
-              <p:nvPr/>
-            </p:nvPicPr>
-            <p:blipFill>
-              <a:blip r:embed="rId9">
-                <a:extLst>
-                  <a:ext uri="{28A0092B-C50C-407E-A947-70E740481C1C}">
-                    <a14:useLocalDpi xmlns:a14="http://schemas.microsoft.com/office/drawing/2010/main" val="0"/>
-                  </a:ext>
-                </a:extLst>
-              </a:blip>
-              <a:srcRect/>
-              <a:stretch>
-                <a:fillRect/>
-              </a:stretch>
-            </p:blipFill>
-            <p:spPr bwMode="auto">
-              <a:xfrm>
-                <a:off x="1758664" y="2112401"/>
-                <a:ext cx="751334" cy="751335"/>
-              </a:xfrm>
-              <a:prstGeom prst="rect">
-                <a:avLst/>
-              </a:prstGeom>
-              <a:noFill/>
-              <a:extLst>
-                <a:ext uri="{909E8E84-426E-40DD-AFC4-6F175D3DCCD1}">
-                  <a14:hiddenFill xmlns:a14="http://schemas.microsoft.com/office/drawing/2010/main">
-                    <a:solidFill>
-                      <a:srgbClr val="FFFFFF"/>
-                    </a:solidFill>
-                  </a14:hiddenFill>
-                </a:ext>
-              </a:extLst>
-            </p:spPr>
-          </p:pic>
-          <p:sp>
-            <p:nvSpPr>
-              <p:cNvPr id="81" name="TextBox 80"/>
-              <p:cNvSpPr txBox="1"/>
-              <p:nvPr/>
-            </p:nvSpPr>
-            <p:spPr>
-              <a:xfrm>
-                <a:off x="1677774" y="2863736"/>
-                <a:ext cx="884454" cy="646331"/>
-              </a:xfrm>
-              <a:prstGeom prst="rect">
-                <a:avLst/>
-              </a:prstGeom>
-              <a:noFill/>
-            </p:spPr>
-            <p:txBody>
-              <a:bodyPr wrap="square" rtlCol="0">
-                <a:spAutoFit/>
-              </a:bodyPr>
-              <a:lstStyle/>
-              <a:p>
-                <a:pPr algn="ctr"/>
-                <a:r>
-                  <a:rPr lang="en-US" b="1" dirty="0" smtClean="0">
-                    <a:solidFill>
-                      <a:schemeClr val="tx1">
-                        <a:lumMod val="75000"/>
-                        <a:lumOff val="25000"/>
-                      </a:schemeClr>
-                    </a:solidFill>
-                    <a:latin typeface="Segoe UI Light" panose="020B0502040204020203" pitchFamily="34" charset="0"/>
-                    <a:cs typeface="Segoe UI Light" panose="020B0502040204020203" pitchFamily="34" charset="0"/>
-                  </a:rPr>
-                  <a:t>Azure Table</a:t>
-                </a:r>
-                <a:endParaRPr lang="en-US" b="1" dirty="0">
-                  <a:solidFill>
-                    <a:schemeClr val="tx1">
-                      <a:lumMod val="75000"/>
-                      <a:lumOff val="25000"/>
-                    </a:schemeClr>
-                  </a:solidFill>
-                  <a:latin typeface="Segoe UI Light" panose="020B0502040204020203" pitchFamily="34" charset="0"/>
-                  <a:cs typeface="Segoe UI Light" panose="020B0502040204020203" pitchFamily="34" charset="0"/>
-                </a:endParaRPr>
-              </a:p>
-            </p:txBody>
-          </p:sp>
-        </p:grpSp>
-      </p:grpSp>
-      <p:grpSp>
-        <p:nvGrpSpPr>
-          <p:cNvPr id="10269" name="Group 10268"/>
-          <p:cNvGrpSpPr/>
-          <p:nvPr/>
-        </p:nvGrpSpPr>
-        <p:grpSpPr>
-          <a:xfrm>
-            <a:off x="6530272" y="2978892"/>
-            <a:ext cx="2789778" cy="1828559"/>
-            <a:chOff x="6530272" y="2978892"/>
-            <a:chExt cx="2789778" cy="1828559"/>
-          </a:xfrm>
-        </p:grpSpPr>
-        <p:cxnSp>
-          <p:nvCxnSpPr>
-            <p:cNvPr id="52" name="Straight Arrow Connector 51"/>
-            <p:cNvCxnSpPr/>
-            <p:nvPr/>
-          </p:nvCxnSpPr>
-          <p:spPr>
-            <a:xfrm>
-              <a:off x="6530272" y="2978892"/>
-              <a:ext cx="1502558" cy="627491"/>
-            </a:xfrm>
-            <a:prstGeom prst="straightConnector1">
-              <a:avLst/>
-            </a:prstGeom>
-            <a:ln w="38100">
-              <a:tailEnd type="triangle"/>
-            </a:ln>
-          </p:spPr>
-          <p:style>
-            <a:lnRef idx="3">
-              <a:schemeClr val="accent6"/>
-            </a:lnRef>
-            <a:fillRef idx="0">
-              <a:schemeClr val="accent6"/>
-            </a:fillRef>
-            <a:effectRef idx="2">
-              <a:schemeClr val="accent6"/>
+            <a:effectRef idx="0">
+              <a:schemeClr val="accent1"/>
             </a:effectRef>
             <a:fontRef idx="minor">
               <a:schemeClr val="tx1"/>
@@ -5696,7 +4987,7 @@
           </p:nvGrpSpPr>
           <p:grpSpPr>
             <a:xfrm>
-              <a:off x="8207117" y="3449998"/>
+              <a:off x="1276192" y="5101467"/>
               <a:ext cx="1112933" cy="1357453"/>
               <a:chOff x="8207117" y="3449998"/>
               <a:chExt cx="1112933" cy="1357453"/>
@@ -5711,7 +5002,7 @@
               <p:nvPr/>
             </p:nvPicPr>
             <p:blipFill>
-              <a:blip r:embed="rId10">
+              <a:blip r:embed="rId5">
                 <a:extLst>
                   <a:ext uri="{28A0092B-C50C-407E-A947-70E740481C1C}">
                     <a14:useLocalDpi xmlns:a14="http://schemas.microsoft.com/office/drawing/2010/main" val="0"/>
@@ -5816,7 +5107,7 @@
           <p:nvPr/>
         </p:nvPicPr>
         <p:blipFill>
-          <a:blip r:embed="rId11" cstate="print">
+          <a:blip r:embed="rId6" cstate="print">
             <a:extLst>
               <a:ext uri="{28A0092B-C50C-407E-A947-70E740481C1C}">
                 <a14:useLocalDpi xmlns:a14="http://schemas.microsoft.com/office/drawing/2010/main" val="0"/>
@@ -5830,7 +5121,7 @@
         </p:blipFill>
         <p:spPr bwMode="auto">
           <a:xfrm>
-            <a:off x="7892201" y="5371859"/>
+            <a:off x="5659355" y="5371859"/>
             <a:ext cx="1729557" cy="1239516"/>
           </a:xfrm>
           <a:prstGeom prst="rect">
@@ -5856,10 +5147,10 @@
         </p:nvGrpSpPr>
         <p:grpSpPr>
           <a:xfrm>
-            <a:off x="3659961" y="3006999"/>
-            <a:ext cx="1801469" cy="1567065"/>
-            <a:chOff x="3694256" y="3228781"/>
-            <a:chExt cx="1801469" cy="1567065"/>
+            <a:off x="7487617" y="2040228"/>
+            <a:ext cx="1413519" cy="1778143"/>
+            <a:chOff x="3447091" y="2629789"/>
+            <a:chExt cx="1413519" cy="1778143"/>
           </a:xfrm>
         </p:grpSpPr>
         <p:pic>
@@ -5871,7 +5162,7 @@
             <p:nvPr/>
           </p:nvPicPr>
           <p:blipFill>
-            <a:blip r:embed="rId12" cstate="print">
+            <a:blip r:embed="rId7" cstate="print">
               <a:extLst>
                 <a:ext uri="{28A0092B-C50C-407E-A947-70E740481C1C}">
                   <a14:useLocalDpi xmlns:a14="http://schemas.microsoft.com/office/drawing/2010/main" val="0"/>
@@ -5885,7 +5176,7 @@
           </p:blipFill>
           <p:spPr bwMode="auto">
             <a:xfrm>
-              <a:off x="3694256" y="4161120"/>
+              <a:off x="4225884" y="3773206"/>
               <a:ext cx="634726" cy="634726"/>
             </a:xfrm>
             <a:prstGeom prst="rect">
@@ -5910,9 +5201,9 @@
             <p:nvPr/>
           </p:nvCxnSpPr>
           <p:spPr>
-            <a:xfrm flipH="1">
-              <a:off x="4527318" y="3228781"/>
-              <a:ext cx="968407" cy="936380"/>
+            <a:xfrm>
+              <a:off x="3447091" y="2629789"/>
+              <a:ext cx="715402" cy="1000684"/>
             </a:xfrm>
             <a:prstGeom prst="straightConnector1">
               <a:avLst/>
@@ -5937,6 +5228,993 @@
           </p:style>
         </p:cxnSp>
       </p:grpSp>
+      <p:grpSp>
+        <p:nvGrpSpPr>
+          <p:cNvPr id="4" name="Group 3"/>
+          <p:cNvGrpSpPr/>
+          <p:nvPr/>
+        </p:nvGrpSpPr>
+        <p:grpSpPr>
+          <a:xfrm>
+            <a:off x="4884190" y="5955972"/>
+            <a:ext cx="990188" cy="414966"/>
+            <a:chOff x="7117036" y="5955972"/>
+            <a:chExt cx="990188" cy="414966"/>
+          </a:xfrm>
+        </p:grpSpPr>
+        <p:pic>
+          <p:nvPicPr>
+            <p:cNvPr id="1026" name="Picture 2" descr="http://www.iconsdb.com/icons/preview/black/temperature-2-xxl.png"/>
+            <p:cNvPicPr>
+              <a:picLocks noChangeAspect="1" noChangeArrowheads="1"/>
+            </p:cNvPicPr>
+            <p:nvPr/>
+          </p:nvPicPr>
+          <p:blipFill>
+            <a:blip r:embed="rId8" cstate="print">
+              <a:extLst>
+                <a:ext uri="{28A0092B-C50C-407E-A947-70E740481C1C}">
+                  <a14:useLocalDpi xmlns:a14="http://schemas.microsoft.com/office/drawing/2010/main" val="0"/>
+                </a:ext>
+              </a:extLst>
+            </a:blip>
+            <a:srcRect/>
+            <a:stretch>
+              <a:fillRect/>
+            </a:stretch>
+          </p:blipFill>
+          <p:spPr bwMode="auto">
+            <a:xfrm>
+              <a:off x="7744283" y="5991617"/>
+              <a:ext cx="362941" cy="362941"/>
+            </a:xfrm>
+            <a:prstGeom prst="rect">
+              <a:avLst/>
+            </a:prstGeom>
+            <a:noFill/>
+            <a:extLst>
+              <a:ext uri="{909E8E84-426E-40DD-AFC4-6F175D3DCCD1}">
+                <a14:hiddenFill xmlns:a14="http://schemas.microsoft.com/office/drawing/2010/main">
+                  <a:solidFill>
+                    <a:srgbClr val="FFFFFF"/>
+                  </a:solidFill>
+                </a14:hiddenFill>
+              </a:ext>
+            </a:extLst>
+          </p:spPr>
+        </p:pic>
+        <p:pic>
+          <p:nvPicPr>
+            <p:cNvPr id="1032" name="Picture 8" descr="https://s3-us-west-1.amazonaws.com/123d-circuits-symbols/schematic_symbol_9062_thumb.png"/>
+            <p:cNvPicPr>
+              <a:picLocks noChangeAspect="1" noChangeArrowheads="1"/>
+            </p:cNvPicPr>
+            <p:nvPr/>
+          </p:nvPicPr>
+          <p:blipFill>
+            <a:blip r:embed="rId9" cstate="print">
+              <a:extLst>
+                <a:ext uri="{28A0092B-C50C-407E-A947-70E740481C1C}">
+                  <a14:useLocalDpi xmlns:a14="http://schemas.microsoft.com/office/drawing/2010/main" val="0"/>
+                </a:ext>
+              </a:extLst>
+            </a:blip>
+            <a:srcRect/>
+            <a:stretch>
+              <a:fillRect/>
+            </a:stretch>
+          </p:blipFill>
+          <p:spPr bwMode="auto">
+            <a:xfrm>
+              <a:off x="7117036" y="5955972"/>
+              <a:ext cx="553288" cy="414966"/>
+            </a:xfrm>
+            <a:prstGeom prst="rect">
+              <a:avLst/>
+            </a:prstGeom>
+            <a:noFill/>
+            <a:extLst>
+              <a:ext uri="{909E8E84-426E-40DD-AFC4-6F175D3DCCD1}">
+                <a14:hiddenFill xmlns:a14="http://schemas.microsoft.com/office/drawing/2010/main">
+                  <a:solidFill>
+                    <a:srgbClr val="FFFFFF"/>
+                  </a:solidFill>
+                </a14:hiddenFill>
+              </a:ext>
+            </a:extLst>
+          </p:spPr>
+        </p:pic>
+      </p:grpSp>
+      <p:grpSp>
+        <p:nvGrpSpPr>
+          <p:cNvPr id="26" name="Group 25"/>
+          <p:cNvGrpSpPr/>
+          <p:nvPr/>
+        </p:nvGrpSpPr>
+        <p:grpSpPr>
+          <a:xfrm>
+            <a:off x="811662" y="2978569"/>
+            <a:ext cx="1482184" cy="1299542"/>
+            <a:chOff x="811662" y="2978569"/>
+            <a:chExt cx="1482184" cy="1299542"/>
+          </a:xfrm>
+        </p:grpSpPr>
+        <p:pic>
+          <p:nvPicPr>
+            <p:cNvPr id="37" name="Picture 18" descr="http://appindex.com/wp-content/uploads/2015/05/ms-project-oxford-logo-300x100.png"/>
+            <p:cNvPicPr>
+              <a:picLocks noChangeAspect="1" noChangeArrowheads="1"/>
+            </p:cNvPicPr>
+            <p:nvPr/>
+          </p:nvPicPr>
+          <p:blipFill>
+            <a:blip r:embed="rId10">
+              <a:extLst>
+                <a:ext uri="{28A0092B-C50C-407E-A947-70E740481C1C}">
+                  <a14:useLocalDpi xmlns:a14="http://schemas.microsoft.com/office/drawing/2010/main" val="0"/>
+                </a:ext>
+              </a:extLst>
+            </a:blip>
+            <a:srcRect/>
+            <a:stretch>
+              <a:fillRect/>
+            </a:stretch>
+          </p:blipFill>
+          <p:spPr bwMode="auto">
+            <a:xfrm>
+              <a:off x="811662" y="3787153"/>
+              <a:ext cx="1472874" cy="490958"/>
+            </a:xfrm>
+            <a:prstGeom prst="rect">
+              <a:avLst/>
+            </a:prstGeom>
+            <a:noFill/>
+            <a:extLst>
+              <a:ext uri="{909E8E84-426E-40DD-AFC4-6F175D3DCCD1}">
+                <a14:hiddenFill xmlns:a14="http://schemas.microsoft.com/office/drawing/2010/main">
+                  <a:solidFill>
+                    <a:srgbClr val="FFFFFF"/>
+                  </a:solidFill>
+                </a14:hiddenFill>
+              </a:ext>
+            </a:extLst>
+          </p:spPr>
+        </p:pic>
+        <p:cxnSp>
+          <p:nvCxnSpPr>
+            <p:cNvPr id="46" name="Straight Arrow Connector 45"/>
+            <p:cNvCxnSpPr/>
+            <p:nvPr/>
+          </p:nvCxnSpPr>
+          <p:spPr>
+            <a:xfrm flipV="1">
+              <a:off x="1773762" y="2978569"/>
+              <a:ext cx="520084" cy="791942"/>
+            </a:xfrm>
+            <a:prstGeom prst="straightConnector1">
+              <a:avLst/>
+            </a:prstGeom>
+            <a:ln w="38100">
+              <a:solidFill>
+                <a:srgbClr val="FFB903"/>
+              </a:solidFill>
+              <a:headEnd type="triangle"/>
+              <a:tailEnd type="triangle"/>
+            </a:ln>
+          </p:spPr>
+          <p:style>
+            <a:lnRef idx="1">
+              <a:schemeClr val="accent1"/>
+            </a:lnRef>
+            <a:fillRef idx="0">
+              <a:schemeClr val="accent1"/>
+            </a:fillRef>
+            <a:effectRef idx="0">
+              <a:schemeClr val="accent1"/>
+            </a:effectRef>
+            <a:fontRef idx="minor">
+              <a:schemeClr val="tx1"/>
+            </a:fontRef>
+          </p:style>
+        </p:cxnSp>
+      </p:grpSp>
+      <p:grpSp>
+        <p:nvGrpSpPr>
+          <p:cNvPr id="25" name="Group 24"/>
+          <p:cNvGrpSpPr/>
+          <p:nvPr/>
+        </p:nvGrpSpPr>
+        <p:grpSpPr>
+          <a:xfrm>
+            <a:off x="2270000" y="2172608"/>
+            <a:ext cx="1908655" cy="768092"/>
+            <a:chOff x="2270000" y="2172608"/>
+            <a:chExt cx="1908655" cy="768092"/>
+          </a:xfrm>
+        </p:grpSpPr>
+        <p:pic>
+          <p:nvPicPr>
+            <p:cNvPr id="3" name="Picture 2" descr="https://satonaoki.files.wordpress.com/2014/02/windows-azure-web-site.png?w=614"/>
+            <p:cNvPicPr>
+              <a:picLocks noChangeAspect="1" noChangeArrowheads="1"/>
+            </p:cNvPicPr>
+            <p:nvPr/>
+          </p:nvPicPr>
+          <p:blipFill>
+            <a:blip r:embed="rId11" cstate="print">
+              <a:extLst>
+                <a:ext uri="{28A0092B-C50C-407E-A947-70E740481C1C}">
+                  <a14:useLocalDpi xmlns:a14="http://schemas.microsoft.com/office/drawing/2010/main" val="0"/>
+                </a:ext>
+              </a:extLst>
+            </a:blip>
+            <a:srcRect/>
+            <a:stretch>
+              <a:fillRect/>
+            </a:stretch>
+          </p:blipFill>
+          <p:spPr bwMode="auto">
+            <a:xfrm>
+              <a:off x="2270000" y="2172608"/>
+              <a:ext cx="768092" cy="768092"/>
+            </a:xfrm>
+            <a:prstGeom prst="rect">
+              <a:avLst/>
+            </a:prstGeom>
+            <a:noFill/>
+            <a:extLst>
+              <a:ext uri="{909E8E84-426E-40DD-AFC4-6F175D3DCCD1}">
+                <a14:hiddenFill xmlns:a14="http://schemas.microsoft.com/office/drawing/2010/main">
+                  <a:solidFill>
+                    <a:srgbClr val="FFFFFF"/>
+                  </a:solidFill>
+                </a14:hiddenFill>
+              </a:ext>
+            </a:extLst>
+          </p:spPr>
+        </p:pic>
+        <p:sp>
+          <p:nvSpPr>
+            <p:cNvPr id="49" name="TextBox 48"/>
+            <p:cNvSpPr txBox="1"/>
+            <p:nvPr/>
+          </p:nvSpPr>
+          <p:spPr>
+            <a:xfrm>
+              <a:off x="2964629" y="2270954"/>
+              <a:ext cx="1214026" cy="646331"/>
+            </a:xfrm>
+            <a:prstGeom prst="rect">
+              <a:avLst/>
+            </a:prstGeom>
+            <a:noFill/>
+          </p:spPr>
+          <p:txBody>
+            <a:bodyPr wrap="square" rtlCol="0">
+              <a:spAutoFit/>
+            </a:bodyPr>
+            <a:lstStyle/>
+            <a:p>
+              <a:pPr algn="ctr"/>
+              <a:r>
+                <a:rPr lang="en-US" b="1" dirty="0" smtClean="0">
+                  <a:solidFill>
+                    <a:schemeClr val="tx1">
+                      <a:lumMod val="75000"/>
+                      <a:lumOff val="25000"/>
+                    </a:schemeClr>
+                  </a:solidFill>
+                  <a:latin typeface="Segoe UI Light" panose="020B0502040204020203" pitchFamily="34" charset="0"/>
+                  <a:cs typeface="Segoe UI Light" panose="020B0502040204020203" pitchFamily="34" charset="0"/>
+                </a:rPr>
+                <a:t>Azure </a:t>
+              </a:r>
+              <a:r>
+                <a:rPr lang="en-US" b="1" dirty="0" smtClean="0">
+                  <a:solidFill>
+                    <a:schemeClr val="tx1">
+                      <a:lumMod val="75000"/>
+                      <a:lumOff val="25000"/>
+                    </a:schemeClr>
+                  </a:solidFill>
+                  <a:latin typeface="Segoe UI Light" panose="020B0502040204020203" pitchFamily="34" charset="0"/>
+                  <a:cs typeface="Segoe UI Light" panose="020B0502040204020203" pitchFamily="34" charset="0"/>
+                </a:rPr>
+                <a:t>Web Job</a:t>
+              </a:r>
+              <a:endParaRPr lang="en-US" b="1" dirty="0">
+                <a:solidFill>
+                  <a:schemeClr val="tx1">
+                    <a:lumMod val="75000"/>
+                    <a:lumOff val="25000"/>
+                  </a:schemeClr>
+                </a:solidFill>
+                <a:latin typeface="Segoe UI Light" panose="020B0502040204020203" pitchFamily="34" charset="0"/>
+                <a:cs typeface="Segoe UI Light" panose="020B0502040204020203" pitchFamily="34" charset="0"/>
+              </a:endParaRPr>
+            </a:p>
+          </p:txBody>
+        </p:sp>
+      </p:grpSp>
+      <p:grpSp>
+        <p:nvGrpSpPr>
+          <p:cNvPr id="63" name="Group 62"/>
+          <p:cNvGrpSpPr/>
+          <p:nvPr/>
+        </p:nvGrpSpPr>
+        <p:grpSpPr>
+          <a:xfrm>
+            <a:off x="3872634" y="3974630"/>
+            <a:ext cx="1215073" cy="1126837"/>
+            <a:chOff x="6149170" y="3991817"/>
+            <a:chExt cx="1193203" cy="1094078"/>
+          </a:xfrm>
+        </p:grpSpPr>
+        <p:pic>
+          <p:nvPicPr>
+            <p:cNvPr id="64" name="Picture 10" descr="http://i.imgur.com/qC2eT.png"/>
+            <p:cNvPicPr>
+              <a:picLocks noChangeAspect="1" noChangeArrowheads="1"/>
+            </p:cNvPicPr>
+            <p:nvPr/>
+          </p:nvPicPr>
+          <p:blipFill>
+            <a:blip r:embed="rId12" cstate="print">
+              <a:extLst>
+                <a:ext uri="{28A0092B-C50C-407E-A947-70E740481C1C}">
+                  <a14:useLocalDpi xmlns:a14="http://schemas.microsoft.com/office/drawing/2010/main" val="0"/>
+                </a:ext>
+              </a:extLst>
+            </a:blip>
+            <a:srcRect/>
+            <a:stretch>
+              <a:fillRect/>
+            </a:stretch>
+          </p:blipFill>
+          <p:spPr bwMode="auto">
+            <a:xfrm>
+              <a:off x="6568488" y="4166907"/>
+              <a:ext cx="773885" cy="918988"/>
+            </a:xfrm>
+            <a:prstGeom prst="rect">
+              <a:avLst/>
+            </a:prstGeom>
+            <a:noFill/>
+            <a:extLst>
+              <a:ext uri="{909E8E84-426E-40DD-AFC4-6F175D3DCCD1}">
+                <a14:hiddenFill xmlns:a14="http://schemas.microsoft.com/office/drawing/2010/main">
+                  <a:solidFill>
+                    <a:srgbClr val="FFFFFF"/>
+                  </a:solidFill>
+                </a14:hiddenFill>
+              </a:ext>
+            </a:extLst>
+          </p:spPr>
+        </p:pic>
+        <p:cxnSp>
+          <p:nvCxnSpPr>
+            <p:cNvPr id="71" name="Straight Arrow Connector 70"/>
+            <p:cNvCxnSpPr/>
+            <p:nvPr/>
+          </p:nvCxnSpPr>
+          <p:spPr>
+            <a:xfrm flipH="1" flipV="1">
+              <a:off x="6149170" y="3991817"/>
+              <a:ext cx="343333" cy="389466"/>
+            </a:xfrm>
+            <a:prstGeom prst="straightConnector1">
+              <a:avLst/>
+            </a:prstGeom>
+            <a:ln w="38100">
+              <a:solidFill>
+                <a:srgbClr val="F25022"/>
+              </a:solidFill>
+              <a:tailEnd type="triangle"/>
+            </a:ln>
+          </p:spPr>
+          <p:style>
+            <a:lnRef idx="3">
+              <a:schemeClr val="accent2"/>
+            </a:lnRef>
+            <a:fillRef idx="0">
+              <a:schemeClr val="accent2"/>
+            </a:fillRef>
+            <a:effectRef idx="2">
+              <a:schemeClr val="accent2"/>
+            </a:effectRef>
+            <a:fontRef idx="minor">
+              <a:schemeClr val="tx1"/>
+            </a:fontRef>
+          </p:style>
+        </p:cxnSp>
+      </p:grpSp>
+      <p:grpSp>
+        <p:nvGrpSpPr>
+          <p:cNvPr id="66" name="Group 65"/>
+          <p:cNvGrpSpPr/>
+          <p:nvPr/>
+        </p:nvGrpSpPr>
+        <p:grpSpPr>
+          <a:xfrm>
+            <a:off x="3919584" y="5040026"/>
+            <a:ext cx="498833" cy="811908"/>
+            <a:chOff x="6168039" y="5037303"/>
+            <a:chExt cx="498833" cy="811908"/>
+          </a:xfrm>
+        </p:grpSpPr>
+        <p:pic>
+          <p:nvPicPr>
+            <p:cNvPr id="67" name="Picture 16" descr="http://icons.iconarchive.com/icons/pixelkit/swanky-outlines/128/15-Light-Bulb-icon.png"/>
+            <p:cNvPicPr>
+              <a:picLocks noChangeAspect="1" noChangeArrowheads="1"/>
+            </p:cNvPicPr>
+            <p:nvPr/>
+          </p:nvPicPr>
+          <p:blipFill>
+            <a:blip r:embed="rId13" cstate="print">
+              <a:extLst>
+                <a:ext uri="{28A0092B-C50C-407E-A947-70E740481C1C}">
+                  <a14:useLocalDpi xmlns:a14="http://schemas.microsoft.com/office/drawing/2010/main" val="0"/>
+                </a:ext>
+              </a:extLst>
+            </a:blip>
+            <a:srcRect/>
+            <a:stretch>
+              <a:fillRect/>
+            </a:stretch>
+          </p:blipFill>
+          <p:spPr bwMode="auto">
+            <a:xfrm>
+              <a:off x="6168039" y="5390743"/>
+              <a:ext cx="458467" cy="458468"/>
+            </a:xfrm>
+            <a:prstGeom prst="rect">
+              <a:avLst/>
+            </a:prstGeom>
+            <a:noFill/>
+            <a:extLst>
+              <a:ext uri="{909E8E84-426E-40DD-AFC4-6F175D3DCCD1}">
+                <a14:hiddenFill xmlns:a14="http://schemas.microsoft.com/office/drawing/2010/main">
+                  <a:solidFill>
+                    <a:srgbClr val="FFFFFF"/>
+                  </a:solidFill>
+                </a14:hiddenFill>
+              </a:ext>
+            </a:extLst>
+          </p:spPr>
+        </p:pic>
+        <p:cxnSp>
+          <p:nvCxnSpPr>
+            <p:cNvPr id="68" name="Straight Arrow Connector 67"/>
+            <p:cNvCxnSpPr/>
+            <p:nvPr/>
+          </p:nvCxnSpPr>
+          <p:spPr>
+            <a:xfrm flipH="1">
+              <a:off x="6568488" y="5037303"/>
+              <a:ext cx="98384" cy="297604"/>
+            </a:xfrm>
+            <a:prstGeom prst="straightConnector1">
+              <a:avLst/>
+            </a:prstGeom>
+            <a:ln w="38100">
+              <a:tailEnd type="triangle"/>
+            </a:ln>
+          </p:spPr>
+          <p:style>
+            <a:lnRef idx="3">
+              <a:schemeClr val="accent6"/>
+            </a:lnRef>
+            <a:fillRef idx="0">
+              <a:schemeClr val="accent6"/>
+            </a:fillRef>
+            <a:effectRef idx="2">
+              <a:schemeClr val="accent6"/>
+            </a:effectRef>
+            <a:fontRef idx="minor">
+              <a:schemeClr val="tx1"/>
+            </a:fontRef>
+          </p:style>
+        </p:cxnSp>
+      </p:grpSp>
+      <p:grpSp>
+        <p:nvGrpSpPr>
+          <p:cNvPr id="27" name="Group 26"/>
+          <p:cNvGrpSpPr/>
+          <p:nvPr/>
+        </p:nvGrpSpPr>
+        <p:grpSpPr>
+          <a:xfrm>
+            <a:off x="2863279" y="2983082"/>
+            <a:ext cx="985804" cy="1784837"/>
+            <a:chOff x="2863279" y="2983082"/>
+            <a:chExt cx="985804" cy="1784837"/>
+          </a:xfrm>
+        </p:grpSpPr>
+        <p:pic>
+          <p:nvPicPr>
+            <p:cNvPr id="69" name="Picture 8" descr="http://satonaoki.files.wordpress.com/2014/02/windows-azure-storage-feature.png?w=614"/>
+            <p:cNvPicPr>
+              <a:picLocks noChangeAspect="1" noChangeArrowheads="1"/>
+            </p:cNvPicPr>
+            <p:nvPr/>
+          </p:nvPicPr>
+          <p:blipFill>
+            <a:blip r:embed="rId14" cstate="print">
+              <a:extLst>
+                <a:ext uri="{28A0092B-C50C-407E-A947-70E740481C1C}">
+                  <a14:useLocalDpi xmlns:a14="http://schemas.microsoft.com/office/drawing/2010/main" val="0"/>
+                </a:ext>
+              </a:extLst>
+            </a:blip>
+            <a:srcRect/>
+            <a:stretch>
+              <a:fillRect/>
+            </a:stretch>
+          </p:blipFill>
+          <p:spPr bwMode="auto">
+            <a:xfrm>
+              <a:off x="3120141" y="3426140"/>
+              <a:ext cx="688742" cy="688742"/>
+            </a:xfrm>
+            <a:prstGeom prst="rect">
+              <a:avLst/>
+            </a:prstGeom>
+            <a:noFill/>
+            <a:extLst>
+              <a:ext uri="{909E8E84-426E-40DD-AFC4-6F175D3DCCD1}">
+                <a14:hiddenFill xmlns:a14="http://schemas.microsoft.com/office/drawing/2010/main">
+                  <a:solidFill>
+                    <a:srgbClr val="FFFFFF"/>
+                  </a:solidFill>
+                </a14:hiddenFill>
+              </a:ext>
+            </a:extLst>
+          </p:spPr>
+        </p:pic>
+        <p:sp>
+          <p:nvSpPr>
+            <p:cNvPr id="70" name="TextBox 69"/>
+            <p:cNvSpPr txBox="1"/>
+            <p:nvPr/>
+          </p:nvSpPr>
+          <p:spPr>
+            <a:xfrm>
+              <a:off x="2964629" y="4121588"/>
+              <a:ext cx="884454" cy="646331"/>
+            </a:xfrm>
+            <a:prstGeom prst="rect">
+              <a:avLst/>
+            </a:prstGeom>
+            <a:noFill/>
+          </p:spPr>
+          <p:txBody>
+            <a:bodyPr wrap="square" rtlCol="0">
+              <a:spAutoFit/>
+            </a:bodyPr>
+            <a:lstStyle/>
+            <a:p>
+              <a:pPr algn="ctr"/>
+              <a:r>
+                <a:rPr lang="en-US" b="1" dirty="0" smtClean="0">
+                  <a:solidFill>
+                    <a:schemeClr val="tx1">
+                      <a:lumMod val="75000"/>
+                      <a:lumOff val="25000"/>
+                    </a:schemeClr>
+                  </a:solidFill>
+                  <a:latin typeface="Segoe UI Light" panose="020B0502040204020203" pitchFamily="34" charset="0"/>
+                  <a:cs typeface="Segoe UI Light" panose="020B0502040204020203" pitchFamily="34" charset="0"/>
+                </a:rPr>
+                <a:t>Azure </a:t>
+              </a:r>
+              <a:r>
+                <a:rPr lang="en-US" b="1" dirty="0" smtClean="0">
+                  <a:solidFill>
+                    <a:schemeClr val="tx1">
+                      <a:lumMod val="75000"/>
+                      <a:lumOff val="25000"/>
+                    </a:schemeClr>
+                  </a:solidFill>
+                  <a:latin typeface="Segoe UI Light" panose="020B0502040204020203" pitchFamily="34" charset="0"/>
+                  <a:cs typeface="Segoe UI Light" panose="020B0502040204020203" pitchFamily="34" charset="0"/>
+                </a:rPr>
+                <a:t>Blob</a:t>
+              </a:r>
+              <a:endParaRPr lang="en-US" b="1" dirty="0">
+                <a:solidFill>
+                  <a:schemeClr val="tx1">
+                    <a:lumMod val="75000"/>
+                    <a:lumOff val="25000"/>
+                  </a:schemeClr>
+                </a:solidFill>
+                <a:latin typeface="Segoe UI Light" panose="020B0502040204020203" pitchFamily="34" charset="0"/>
+                <a:cs typeface="Segoe UI Light" panose="020B0502040204020203" pitchFamily="34" charset="0"/>
+              </a:endParaRPr>
+            </a:p>
+          </p:txBody>
+        </p:sp>
+        <p:cxnSp>
+          <p:nvCxnSpPr>
+            <p:cNvPr id="72" name="Straight Arrow Connector 71"/>
+            <p:cNvCxnSpPr/>
+            <p:nvPr/>
+          </p:nvCxnSpPr>
+          <p:spPr>
+            <a:xfrm flipH="1" flipV="1">
+              <a:off x="2863279" y="2983082"/>
+              <a:ext cx="349626" cy="401127"/>
+            </a:xfrm>
+            <a:prstGeom prst="straightConnector1">
+              <a:avLst/>
+            </a:prstGeom>
+            <a:ln w="38100">
+              <a:solidFill>
+                <a:srgbClr val="F25022"/>
+              </a:solidFill>
+              <a:tailEnd type="triangle"/>
+            </a:ln>
+          </p:spPr>
+          <p:style>
+            <a:lnRef idx="3">
+              <a:schemeClr val="accent2"/>
+            </a:lnRef>
+            <a:fillRef idx="0">
+              <a:schemeClr val="accent2"/>
+            </a:fillRef>
+            <a:effectRef idx="2">
+              <a:schemeClr val="accent2"/>
+            </a:effectRef>
+            <a:fontRef idx="minor">
+              <a:schemeClr val="tx1"/>
+            </a:fontRef>
+          </p:style>
+        </p:cxnSp>
+      </p:grpSp>
+      <p:grpSp>
+        <p:nvGrpSpPr>
+          <p:cNvPr id="24" name="Group 23"/>
+          <p:cNvGrpSpPr/>
+          <p:nvPr/>
+        </p:nvGrpSpPr>
+        <p:grpSpPr>
+          <a:xfrm>
+            <a:off x="3190220" y="1473775"/>
+            <a:ext cx="1978178" cy="1397666"/>
+            <a:chOff x="3190220" y="1473775"/>
+            <a:chExt cx="1978178" cy="1397666"/>
+          </a:xfrm>
+        </p:grpSpPr>
+        <p:grpSp>
+          <p:nvGrpSpPr>
+            <p:cNvPr id="10259" name="Group 10258"/>
+            <p:cNvGrpSpPr/>
+            <p:nvPr/>
+          </p:nvGrpSpPr>
+          <p:grpSpPr>
+            <a:xfrm>
+              <a:off x="4283944" y="1473775"/>
+              <a:ext cx="884454" cy="1397666"/>
+              <a:chOff x="1677774" y="2112401"/>
+              <a:chExt cx="884454" cy="1397666"/>
+            </a:xfrm>
+          </p:grpSpPr>
+          <p:pic>
+            <p:nvPicPr>
+              <p:cNvPr id="11268" name="Picture 4" descr="http://zappysys.com/images/ssis-powerpack/SSIS-Azure-Cloud-Storage-Task.png"/>
+              <p:cNvPicPr>
+                <a:picLocks noChangeAspect="1" noChangeArrowheads="1"/>
+              </p:cNvPicPr>
+              <p:nvPr/>
+            </p:nvPicPr>
+            <p:blipFill>
+              <a:blip r:embed="rId15">
+                <a:extLst>
+                  <a:ext uri="{28A0092B-C50C-407E-A947-70E740481C1C}">
+                    <a14:useLocalDpi xmlns:a14="http://schemas.microsoft.com/office/drawing/2010/main" val="0"/>
+                  </a:ext>
+                </a:extLst>
+              </a:blip>
+              <a:srcRect/>
+              <a:stretch>
+                <a:fillRect/>
+              </a:stretch>
+            </p:blipFill>
+            <p:spPr bwMode="auto">
+              <a:xfrm>
+                <a:off x="1758664" y="2112401"/>
+                <a:ext cx="751334" cy="751335"/>
+              </a:xfrm>
+              <a:prstGeom prst="rect">
+                <a:avLst/>
+              </a:prstGeom>
+              <a:noFill/>
+              <a:extLst>
+                <a:ext uri="{909E8E84-426E-40DD-AFC4-6F175D3DCCD1}">
+                  <a14:hiddenFill xmlns:a14="http://schemas.microsoft.com/office/drawing/2010/main">
+                    <a:solidFill>
+                      <a:srgbClr val="FFFFFF"/>
+                    </a:solidFill>
+                  </a14:hiddenFill>
+                </a:ext>
+              </a:extLst>
+            </p:spPr>
+          </p:pic>
+          <p:sp>
+            <p:nvSpPr>
+              <p:cNvPr id="81" name="TextBox 80"/>
+              <p:cNvSpPr txBox="1"/>
+              <p:nvPr/>
+            </p:nvSpPr>
+            <p:spPr>
+              <a:xfrm>
+                <a:off x="1677774" y="2863736"/>
+                <a:ext cx="884454" cy="646331"/>
+              </a:xfrm>
+              <a:prstGeom prst="rect">
+                <a:avLst/>
+              </a:prstGeom>
+              <a:noFill/>
+            </p:spPr>
+            <p:txBody>
+              <a:bodyPr wrap="square" rtlCol="0">
+                <a:spAutoFit/>
+              </a:bodyPr>
+              <a:lstStyle/>
+              <a:p>
+                <a:pPr algn="ctr"/>
+                <a:r>
+                  <a:rPr lang="en-US" b="1" dirty="0" smtClean="0">
+                    <a:solidFill>
+                      <a:schemeClr val="tx1">
+                        <a:lumMod val="75000"/>
+                        <a:lumOff val="25000"/>
+                      </a:schemeClr>
+                    </a:solidFill>
+                    <a:latin typeface="Segoe UI Light" panose="020B0502040204020203" pitchFamily="34" charset="0"/>
+                    <a:cs typeface="Segoe UI Light" panose="020B0502040204020203" pitchFamily="34" charset="0"/>
+                  </a:rPr>
+                  <a:t>Azure Table</a:t>
+                </a:r>
+                <a:endParaRPr lang="en-US" b="1" dirty="0">
+                  <a:solidFill>
+                    <a:schemeClr val="tx1">
+                      <a:lumMod val="75000"/>
+                      <a:lumOff val="25000"/>
+                    </a:schemeClr>
+                  </a:solidFill>
+                  <a:latin typeface="Segoe UI Light" panose="020B0502040204020203" pitchFamily="34" charset="0"/>
+                  <a:cs typeface="Segoe UI Light" panose="020B0502040204020203" pitchFamily="34" charset="0"/>
+                </a:endParaRPr>
+              </a:p>
+            </p:txBody>
+          </p:sp>
+        </p:grpSp>
+        <p:cxnSp>
+          <p:nvCxnSpPr>
+            <p:cNvPr id="73" name="Straight Arrow Connector 72"/>
+            <p:cNvCxnSpPr/>
+            <p:nvPr/>
+          </p:nvCxnSpPr>
+          <p:spPr>
+            <a:xfrm flipV="1">
+              <a:off x="3190220" y="1911233"/>
+              <a:ext cx="1004580" cy="253461"/>
+            </a:xfrm>
+            <a:prstGeom prst="straightConnector1">
+              <a:avLst/>
+            </a:prstGeom>
+            <a:ln w="38100">
+              <a:solidFill>
+                <a:srgbClr val="F25022"/>
+              </a:solidFill>
+              <a:tailEnd type="triangle"/>
+            </a:ln>
+          </p:spPr>
+          <p:style>
+            <a:lnRef idx="3">
+              <a:schemeClr val="accent2"/>
+            </a:lnRef>
+            <a:fillRef idx="0">
+              <a:schemeClr val="accent2"/>
+            </a:fillRef>
+            <a:effectRef idx="2">
+              <a:schemeClr val="accent2"/>
+            </a:effectRef>
+            <a:fontRef idx="minor">
+              <a:schemeClr val="tx1"/>
+            </a:fontRef>
+          </p:style>
+        </p:cxnSp>
+      </p:grpSp>
+      <p:grpSp>
+        <p:nvGrpSpPr>
+          <p:cNvPr id="23" name="Group 22"/>
+          <p:cNvGrpSpPr/>
+          <p:nvPr/>
+        </p:nvGrpSpPr>
+        <p:grpSpPr>
+          <a:xfrm>
+            <a:off x="5259670" y="1342103"/>
+            <a:ext cx="2475112" cy="1429943"/>
+            <a:chOff x="5259670" y="1342103"/>
+            <a:chExt cx="2475112" cy="1429943"/>
+          </a:xfrm>
+        </p:grpSpPr>
+        <p:grpSp>
+          <p:nvGrpSpPr>
+            <p:cNvPr id="10260" name="Group 10259"/>
+            <p:cNvGrpSpPr/>
+            <p:nvPr/>
+          </p:nvGrpSpPr>
+          <p:grpSpPr>
+            <a:xfrm>
+              <a:off x="6408408" y="1342103"/>
+              <a:ext cx="1326374" cy="1429943"/>
+              <a:chOff x="5169607" y="2033524"/>
+              <a:chExt cx="1326374" cy="1429943"/>
+            </a:xfrm>
+          </p:grpSpPr>
+          <p:pic>
+            <p:nvPicPr>
+              <p:cNvPr id="11266" name="Picture 2" descr="https://enter.plugrush.com/wp-content/uploads/2015/02/api.png"/>
+              <p:cNvPicPr>
+                <a:picLocks noChangeAspect="1" noChangeArrowheads="1"/>
+              </p:cNvPicPr>
+              <p:nvPr/>
+            </p:nvPicPr>
+            <p:blipFill>
+              <a:blip r:embed="rId16" cstate="print">
+                <a:duotone>
+                  <a:prstClr val="black"/>
+                  <a:schemeClr val="tx2">
+                    <a:tint val="45000"/>
+                    <a:satMod val="400000"/>
+                  </a:schemeClr>
+                </a:duotone>
+                <a:extLst>
+                  <a:ext uri="{28A0092B-C50C-407E-A947-70E740481C1C}">
+                    <a14:useLocalDpi xmlns:a14="http://schemas.microsoft.com/office/drawing/2010/main" val="0"/>
+                  </a:ext>
+                </a:extLst>
+              </a:blip>
+              <a:srcRect/>
+              <a:stretch>
+                <a:fillRect/>
+              </a:stretch>
+            </p:blipFill>
+            <p:spPr bwMode="auto">
+              <a:xfrm>
+                <a:off x="5436020" y="2033524"/>
+                <a:ext cx="793549" cy="793549"/>
+              </a:xfrm>
+              <a:prstGeom prst="rect">
+                <a:avLst/>
+              </a:prstGeom>
+              <a:noFill/>
+              <a:extLst>
+                <a:ext uri="{909E8E84-426E-40DD-AFC4-6F175D3DCCD1}">
+                  <a14:hiddenFill xmlns:a14="http://schemas.microsoft.com/office/drawing/2010/main">
+                    <a:solidFill>
+                      <a:srgbClr val="FFFFFF"/>
+                    </a:solidFill>
+                  </a14:hiddenFill>
+                </a:ext>
+              </a:extLst>
+            </p:spPr>
+          </p:pic>
+          <p:sp>
+            <p:nvSpPr>
+              <p:cNvPr id="10249" name="TextBox 10248"/>
+              <p:cNvSpPr txBox="1"/>
+              <p:nvPr/>
+            </p:nvSpPr>
+            <p:spPr>
+              <a:xfrm>
+                <a:off x="5169607" y="2817136"/>
+                <a:ext cx="1326374" cy="646331"/>
+              </a:xfrm>
+              <a:prstGeom prst="rect">
+                <a:avLst/>
+              </a:prstGeom>
+              <a:noFill/>
+            </p:spPr>
+            <p:txBody>
+              <a:bodyPr wrap="square" rtlCol="0">
+                <a:spAutoFit/>
+              </a:bodyPr>
+              <a:lstStyle/>
+              <a:p>
+                <a:pPr algn="ctr"/>
+                <a:r>
+                  <a:rPr lang="en-US" b="1" dirty="0" smtClean="0">
+                    <a:solidFill>
+                      <a:schemeClr val="tx1">
+                        <a:lumMod val="75000"/>
+                        <a:lumOff val="25000"/>
+                      </a:schemeClr>
+                    </a:solidFill>
+                    <a:latin typeface="Segoe UI Light" panose="020B0502040204020203" pitchFamily="34" charset="0"/>
+                    <a:cs typeface="Segoe UI Light" panose="020B0502040204020203" pitchFamily="34" charset="0"/>
+                  </a:rPr>
+                  <a:t>Azure</a:t>
+                </a:r>
+                <a:br>
+                  <a:rPr lang="en-US" b="1" dirty="0" smtClean="0">
+                    <a:solidFill>
+                      <a:schemeClr val="tx1">
+                        <a:lumMod val="75000"/>
+                        <a:lumOff val="25000"/>
+                      </a:schemeClr>
+                    </a:solidFill>
+                    <a:latin typeface="Segoe UI Light" panose="020B0502040204020203" pitchFamily="34" charset="0"/>
+                    <a:cs typeface="Segoe UI Light" panose="020B0502040204020203" pitchFamily="34" charset="0"/>
+                  </a:rPr>
+                </a:br>
+                <a:r>
+                  <a:rPr lang="en-US" b="1" dirty="0" smtClean="0">
+                    <a:solidFill>
+                      <a:schemeClr val="tx1">
+                        <a:lumMod val="75000"/>
+                        <a:lumOff val="25000"/>
+                      </a:schemeClr>
+                    </a:solidFill>
+                    <a:latin typeface="Segoe UI Light" panose="020B0502040204020203" pitchFamily="34" charset="0"/>
+                    <a:cs typeface="Segoe UI Light" panose="020B0502040204020203" pitchFamily="34" charset="0"/>
+                  </a:rPr>
+                  <a:t>Web API</a:t>
+                </a:r>
+                <a:endParaRPr lang="en-US" b="1" dirty="0">
+                  <a:solidFill>
+                    <a:schemeClr val="tx1">
+                      <a:lumMod val="75000"/>
+                      <a:lumOff val="25000"/>
+                    </a:schemeClr>
+                  </a:solidFill>
+                  <a:latin typeface="Segoe UI Light" panose="020B0502040204020203" pitchFamily="34" charset="0"/>
+                  <a:cs typeface="Segoe UI Light" panose="020B0502040204020203" pitchFamily="34" charset="0"/>
+                </a:endParaRPr>
+              </a:p>
+            </p:txBody>
+          </p:sp>
+        </p:grpSp>
+        <p:cxnSp>
+          <p:nvCxnSpPr>
+            <p:cNvPr id="75" name="Straight Arrow Connector 74"/>
+            <p:cNvCxnSpPr/>
+            <p:nvPr/>
+          </p:nvCxnSpPr>
+          <p:spPr>
+            <a:xfrm>
+              <a:off x="5259670" y="1857487"/>
+              <a:ext cx="1214628" cy="5521"/>
+            </a:xfrm>
+            <a:prstGeom prst="straightConnector1">
+              <a:avLst/>
+            </a:prstGeom>
+            <a:ln w="38100">
+              <a:solidFill>
+                <a:srgbClr val="F25022"/>
+              </a:solidFill>
+              <a:tailEnd type="triangle"/>
+            </a:ln>
+          </p:spPr>
+          <p:style>
+            <a:lnRef idx="3">
+              <a:schemeClr val="accent2"/>
+            </a:lnRef>
+            <a:fillRef idx="0">
+              <a:schemeClr val="accent2"/>
+            </a:fillRef>
+            <a:effectRef idx="2">
+              <a:schemeClr val="accent2"/>
+            </a:effectRef>
+            <a:fontRef idx="minor">
+              <a:schemeClr val="tx1"/>
+            </a:fontRef>
+          </p:style>
+        </p:cxnSp>
+      </p:grpSp>
     </p:spTree>
     <p:extLst>
       <p:ext uri="{BB962C8B-B14F-4D97-AF65-F5344CB8AC3E}">
@@ -5947,11 +6225,11 @@
   <p:clrMapOvr>
     <a:masterClrMapping/>
   </p:clrMapOvr>
-  <mc:AlternateContent xmlns:mc="http://schemas.openxmlformats.org/markup-compatibility/2006">
-    <mc:Choice xmlns:p14="http://schemas.microsoft.com/office/powerpoint/2010/main" Requires="p14">
+  <mc:AlternateContent xmlns:mc="http://schemas.openxmlformats.org/markup-compatibility/2006" xmlns:p14="http://schemas.microsoft.com/office/powerpoint/2010/main">
+    <mc:Choice Requires="p14">
       <p:transition p14:dur="0"/>
     </mc:Choice>
-    <mc:Fallback>
+    <mc:Fallback xmlns="">
       <p:transition/>
     </mc:Fallback>
   </mc:AlternateContent>
@@ -6079,7 +6357,7 @@
                                           </p:stCondLst>
                                         </p:cTn>
                                         <p:tgtEl>
-                                          <p:spTgt spid="10268"/>
+                                          <p:spTgt spid="4"/>
                                         </p:tgtEl>
                                         <p:attrNameLst>
                                           <p:attrName>style.visibility</p:attrName>
@@ -6124,7 +6402,7 @@
                                           </p:stCondLst>
                                         </p:cTn>
                                         <p:tgtEl>
-                                          <p:spTgt spid="10260"/>
+                                          <p:spTgt spid="63"/>
                                         </p:tgtEl>
                                         <p:attrNameLst>
                                           <p:attrName>style.visibility</p:attrName>
@@ -6169,7 +6447,7 @@
                                           </p:stCondLst>
                                         </p:cTn>
                                         <p:tgtEl>
-                                          <p:spTgt spid="10270"/>
+                                          <p:spTgt spid="27"/>
                                         </p:tgtEl>
                                         <p:attrNameLst>
                                           <p:attrName>style.visibility</p:attrName>
@@ -6214,7 +6492,7 @@
                                           </p:stCondLst>
                                         </p:cTn>
                                         <p:tgtEl>
-                                          <p:spTgt spid="10263"/>
+                                          <p:spTgt spid="25"/>
                                         </p:tgtEl>
                                         <p:attrNameLst>
                                           <p:attrName>style.visibility</p:attrName>
@@ -6259,7 +6537,7 @@
                                           </p:stCondLst>
                                         </p:cTn>
                                         <p:tgtEl>
-                                          <p:spTgt spid="10264"/>
+                                          <p:spTgt spid="26"/>
                                         </p:tgtEl>
                                         <p:attrNameLst>
                                           <p:attrName>style.visibility</p:attrName>
@@ -6304,7 +6582,7 @@
                                           </p:stCondLst>
                                         </p:cTn>
                                         <p:tgtEl>
-                                          <p:spTgt spid="10265"/>
+                                          <p:spTgt spid="24"/>
                                         </p:tgtEl>
                                         <p:attrNameLst>
                                           <p:attrName>style.visibility</p:attrName>
@@ -6317,35 +6595,26 @@
                                   </p:childTnLst>
                                 </p:cTn>
                               </p:par>
+                            </p:childTnLst>
+                          </p:cTn>
+                        </p:par>
+                      </p:childTnLst>
+                    </p:cTn>
+                  </p:par>
+                  <p:par>
+                    <p:cTn id="35" fill="hold">
+                      <p:stCondLst>
+                        <p:cond delay="indefinite"/>
+                      </p:stCondLst>
+                      <p:childTnLst>
+                        <p:par>
+                          <p:cTn id="36" fill="hold">
+                            <p:stCondLst>
+                              <p:cond delay="0"/>
+                            </p:stCondLst>
+                            <p:childTnLst>
                               <p:par>
-                                <p:cTn id="35" presetID="1" presetClass="entr" presetSubtype="0" fill="hold" nodeType="withEffect">
-                                  <p:stCondLst>
-                                    <p:cond delay="0"/>
-                                  </p:stCondLst>
-                                  <p:childTnLst>
-                                    <p:set>
-                                      <p:cBhvr>
-                                        <p:cTn id="36" dur="1" fill="hold">
-                                          <p:stCondLst>
-                                            <p:cond delay="0"/>
-                                          </p:stCondLst>
-                                        </p:cTn>
-                                        <p:tgtEl>
-                                          <p:spTgt spid="10266"/>
-                                        </p:tgtEl>
-                                        <p:attrNameLst>
-                                          <p:attrName>style.visibility</p:attrName>
-                                        </p:attrNameLst>
-                                      </p:cBhvr>
-                                      <p:to>
-                                        <p:strVal val="visible"/>
-                                      </p:to>
-                                    </p:set>
-                                  </p:childTnLst>
-                                </p:cTn>
-                              </p:par>
-                              <p:par>
-                                <p:cTn id="37" presetID="1" presetClass="entr" presetSubtype="0" fill="hold" nodeType="withEffect">
+                                <p:cTn id="37" presetID="1" presetClass="entr" presetSubtype="0" fill="hold" nodeType="clickEffect">
                                   <p:stCondLst>
                                     <p:cond delay="0"/>
                                   </p:stCondLst>
@@ -6358,7 +6627,7 @@
                                           </p:stCondLst>
                                         </p:cTn>
                                         <p:tgtEl>
-                                          <p:spTgt spid="10267"/>
+                                          <p:spTgt spid="23"/>
                                         </p:tgtEl>
                                         <p:attrNameLst>
                                           <p:attrName>style.visibility</p:attrName>
@@ -6403,7 +6672,7 @@
                                           </p:stCondLst>
                                         </p:cTn>
                                         <p:tgtEl>
-                                          <p:spTgt spid="10269"/>
+                                          <p:spTgt spid="10264"/>
                                         </p:tgtEl>
                                         <p:attrNameLst>
                                           <p:attrName>style.visibility</p:attrName>
@@ -6448,7 +6717,61 @@
                                           </p:stCondLst>
                                         </p:cTn>
                                         <p:tgtEl>
-                                          <p:spTgt spid="58"/>
+                                          <p:spTgt spid="10265"/>
+                                        </p:tgtEl>
+                                        <p:attrNameLst>
+                                          <p:attrName>style.visibility</p:attrName>
+                                        </p:attrNameLst>
+                                      </p:cBhvr>
+                                      <p:to>
+                                        <p:strVal val="visible"/>
+                                      </p:to>
+                                    </p:set>
+                                  </p:childTnLst>
+                                </p:cTn>
+                              </p:par>
+                              <p:par>
+                                <p:cTn id="47" presetID="1" presetClass="entr" presetSubtype="0" fill="hold" nodeType="withEffect">
+                                  <p:stCondLst>
+                                    <p:cond delay="0"/>
+                                  </p:stCondLst>
+                                  <p:childTnLst>
+                                    <p:set>
+                                      <p:cBhvr>
+                                        <p:cTn id="48" dur="1" fill="hold">
+                                          <p:stCondLst>
+                                            <p:cond delay="0"/>
+                                          </p:stCondLst>
+                                        </p:cTn>
+                                        <p:tgtEl>
+                                          <p:spTgt spid="10266"/>
+                                        </p:tgtEl>
+                                        <p:attrNameLst>
+                                          <p:attrName>style.visibility</p:attrName>
+                                        </p:attrNameLst>
+                                      </p:cBhvr>
+                                      <p:to>
+                                        <p:strVal val="visible"/>
+                                      </p:to>
+                                    </p:set>
+                                  </p:childTnLst>
+                                </p:cTn>
+                              </p:par>
+                              <p:par>
+                                <p:cTn id="49" presetID="1" presetClass="entr" presetSubtype="0" fill="hold" nodeType="withEffect">
+                                  <p:stCondLst>
+                                    <p:cond delay="0"/>
+                                  </p:stCondLst>
+                                  <p:childTnLst>
+                                    <p:set>
+                                      <p:cBhvr>
+                                        <p:cTn id="50" dur="1" fill="hold">
+                                          <p:stCondLst>
+                                            <p:cond delay="0"/>
+                                          </p:stCondLst>
+                                        </p:cTn>
+                                        <p:tgtEl>
+                                          <p:spTgt spid="10267"/>
                                         </p:tgtEl>
                                         <p:attrNameLst>
                                           <p:attrName>style.visibility</p:attrName>
@@ -6468,32 +6791,77 @@
                     </p:cTn>
                   </p:par>
                   <p:par>
-                    <p:cTn id="47" fill="hold">
+                    <p:cTn id="51" fill="hold">
                       <p:stCondLst>
                         <p:cond delay="indefinite"/>
                       </p:stCondLst>
                       <p:childTnLst>
                         <p:par>
-                          <p:cTn id="48" fill="hold">
+                          <p:cTn id="52" fill="hold">
                             <p:stCondLst>
                               <p:cond delay="0"/>
                             </p:stCondLst>
                             <p:childTnLst>
                               <p:par>
-                                <p:cTn id="49" presetID="1" presetClass="entr" presetSubtype="0" fill="hold" nodeType="clickEffect">
+                                <p:cTn id="53" presetID="1" presetClass="entr" presetSubtype="0" fill="hold" nodeType="clickEffect">
                                   <p:stCondLst>
                                     <p:cond delay="0"/>
                                   </p:stCondLst>
                                   <p:childTnLst>
                                     <p:set>
                                       <p:cBhvr>
-                                        <p:cTn id="50" dur="1" fill="hold">
+                                        <p:cTn id="54" dur="1" fill="hold">
                                           <p:stCondLst>
                                             <p:cond delay="0"/>
                                           </p:stCondLst>
                                         </p:cTn>
                                         <p:tgtEl>
-                                          <p:spTgt spid="10271"/>
+                                          <p:spTgt spid="28"/>
+                                        </p:tgtEl>
+                                        <p:attrNameLst>
+                                          <p:attrName>style.visibility</p:attrName>
+                                        </p:attrNameLst>
+                                      </p:cBhvr>
+                                      <p:to>
+                                        <p:strVal val="visible"/>
+                                      </p:to>
+                                    </p:set>
+                                  </p:childTnLst>
+                                </p:cTn>
+                              </p:par>
+                            </p:childTnLst>
+                          </p:cTn>
+                        </p:par>
+                      </p:childTnLst>
+                    </p:cTn>
+                  </p:par>
+                  <p:par>
+                    <p:cTn id="55" fill="hold">
+                      <p:stCondLst>
+                        <p:cond delay="indefinite"/>
+                      </p:stCondLst>
+                      <p:childTnLst>
+                        <p:par>
+                          <p:cTn id="56" fill="hold">
+                            <p:stCondLst>
+                              <p:cond delay="0"/>
+                            </p:stCondLst>
+                            <p:childTnLst>
+                              <p:par>
+                                <p:cTn id="57" presetID="1" presetClass="entr" presetSubtype="0" fill="hold" nodeType="clickEffect">
+                                  <p:stCondLst>
+                                    <p:cond delay="0"/>
+                                  </p:stCondLst>
+                                  <p:childTnLst>
+                                    <p:set>
+                                      <p:cBhvr>
+                                        <p:cTn id="58" dur="1" fill="hold">
+                                          <p:stCondLst>
+                                            <p:cond delay="0"/>
+                                          </p:stCondLst>
+                                        </p:cTn>
+                                        <p:tgtEl>
+                                          <p:spTgt spid="66"/>
                                         </p:tgtEl>
                                         <p:attrNameLst>
                                           <p:attrName>style.visibility</p:attrName>
@@ -6599,15 +6967,7 @@
               </a:srgbClr>
             </a:outerShdw>
           </a:effectLst>
-          <a:extLst>
-            <a:ext uri="{909E8E84-426E-40DD-AFC4-6F175D3DCCD1}">
-              <a14:hiddenFill xmlns:a14="http://schemas.microsoft.com/office/drawing/2010/main">
-                <a:solidFill>
-                  <a:srgbClr val="FFFFFF"/>
-                </a:solidFill>
-              </a14:hiddenFill>
-            </a:ext>
-          </a:extLst>
+          <a:extLst/>
         </p:spPr>
       </p:pic>
       <p:sp>
@@ -6721,11 +7081,11 @@
   <p:clrMapOvr>
     <a:masterClrMapping/>
   </p:clrMapOvr>
-  <mc:AlternateContent xmlns:mc="http://schemas.openxmlformats.org/markup-compatibility/2006">
-    <mc:Choice xmlns:p14="http://schemas.microsoft.com/office/powerpoint/2010/main" Requires="p14">
+  <mc:AlternateContent xmlns:mc="http://schemas.openxmlformats.org/markup-compatibility/2006" xmlns:p14="http://schemas.microsoft.com/office/powerpoint/2010/main">
+    <mc:Choice Requires="p14">
       <p:transition p14:dur="0"/>
     </mc:Choice>
-    <mc:Fallback>
+    <mc:Fallback xmlns="">
       <p:transition/>
     </mc:Fallback>
   </mc:AlternateContent>
@@ -6801,15 +7161,7 @@
               </a:srgbClr>
             </a:outerShdw>
           </a:effectLst>
-          <a:extLst>
-            <a:ext uri="{909E8E84-426E-40DD-AFC4-6F175D3DCCD1}">
-              <a14:hiddenFill xmlns:a14="http://schemas.microsoft.com/office/drawing/2010/main">
-                <a:solidFill>
-                  <a:srgbClr val="FFFFFF"/>
-                </a:solidFill>
-              </a14:hiddenFill>
-            </a:ext>
-          </a:extLst>
+          <a:extLst/>
         </p:spPr>
       </p:pic>
       <p:sp>
@@ -6896,7 +7248,7 @@
                 <a:latin typeface="Segoe UI Light" panose="020B0502040204020203" pitchFamily="34" charset="0"/>
                 <a:cs typeface="Segoe UI Light" panose="020B0502040204020203" pitchFamily="34" charset="0"/>
               </a:rPr>
-              <a:t>r2d2@catmonitor.com</a:t>
+              <a:t>r2d2@kocour.com</a:t>
             </a:r>
             <a:endParaRPr lang="en-US" dirty="0">
               <a:solidFill>
